--- a/materials/lec_3/lec_3.pptx
+++ b/materials/lec_3/lec_3.pptx
@@ -5,7 +5,7 @@
     <p:sldMasterId id="2147483900" r:id="rId1"/>
   </p:sldMasterIdLst>
   <p:notesMasterIdLst>
-    <p:notesMasterId r:id="rId15"/>
+    <p:notesMasterId r:id="rId17"/>
   </p:notesMasterIdLst>
   <p:sldIdLst>
     <p:sldId id="256" r:id="rId2"/>
@@ -17,10 +17,12 @@
     <p:sldId id="371" r:id="rId8"/>
     <p:sldId id="366" r:id="rId9"/>
     <p:sldId id="372" r:id="rId10"/>
-    <p:sldId id="373" r:id="rId11"/>
-    <p:sldId id="374" r:id="rId12"/>
-    <p:sldId id="375" r:id="rId13"/>
-    <p:sldId id="376" r:id="rId14"/>
+    <p:sldId id="377" r:id="rId11"/>
+    <p:sldId id="378" r:id="rId12"/>
+    <p:sldId id="373" r:id="rId13"/>
+    <p:sldId id="374" r:id="rId14"/>
+    <p:sldId id="375" r:id="rId15"/>
+    <p:sldId id="376" r:id="rId16"/>
   </p:sldIdLst>
   <p:sldSz cx="9144000" cy="6858000" type="screen4x3"/>
   <p:notesSz cx="6858000" cy="9144000"/>
@@ -204,7 +206,7 @@
           <a:p>
             <a:fld id="{07CCACB0-F8FE-4858-B318-FD65BA258CC9}" type="datetimeFigureOut">
               <a:rPr lang="ru-RU" smtClean="0"/>
-              <a:t>06.12.2017</a:t>
+              <a:t>07.12.2017</a:t>
             </a:fld>
             <a:endParaRPr lang="ru-RU"/>
           </a:p>
@@ -537,7 +539,7 @@
           <a:p>
             <a:fld id="{A4386834-D4DC-4436-81F0-088D0656D606}" type="slidenum">
               <a:rPr lang="ru-RU" smtClean="0"/>
-              <a:t>13</a:t>
+              <a:t>15</a:t>
             </a:fld>
             <a:endParaRPr lang="ru-RU"/>
           </a:p>
@@ -1181,7 +1183,7 @@
           <a:p>
             <a:fld id="{B4C71EC6-210F-42DE-9C53-41977AD35B3D}" type="datetimeFigureOut">
               <a:rPr lang="ru-RU" smtClean="0"/>
-              <a:t>06.12.2017</a:t>
+              <a:t>07.12.2017</a:t>
             </a:fld>
             <a:endParaRPr lang="ru-RU"/>
           </a:p>
@@ -1377,7 +1379,7 @@
           <a:p>
             <a:fld id="{B4C71EC6-210F-42DE-9C53-41977AD35B3D}" type="datetimeFigureOut">
               <a:rPr lang="ru-RU" smtClean="0"/>
-              <a:t>06.12.2017</a:t>
+              <a:t>07.12.2017</a:t>
             </a:fld>
             <a:endParaRPr lang="ru-RU"/>
           </a:p>
@@ -1562,7 +1564,7 @@
           <a:p>
             <a:fld id="{B4C71EC6-210F-42DE-9C53-41977AD35B3D}" type="datetimeFigureOut">
               <a:rPr lang="ru-RU" smtClean="0"/>
-              <a:t>06.12.2017</a:t>
+              <a:t>07.12.2017</a:t>
             </a:fld>
             <a:endParaRPr lang="ru-RU"/>
           </a:p>
@@ -1712,7 +1714,7 @@
           <a:p>
             <a:fld id="{B4C71EC6-210F-42DE-9C53-41977AD35B3D}" type="datetimeFigureOut">
               <a:rPr lang="ru-RU" smtClean="0"/>
-              <a:t>06.12.2017</a:t>
+              <a:t>07.12.2017</a:t>
             </a:fld>
             <a:endParaRPr lang="ru-RU"/>
           </a:p>
@@ -1962,7 +1964,7 @@
           <a:p>
             <a:fld id="{B4C71EC6-210F-42DE-9C53-41977AD35B3D}" type="datetimeFigureOut">
               <a:rPr lang="ru-RU" smtClean="0"/>
-              <a:t>06.12.2017</a:t>
+              <a:t>07.12.2017</a:t>
             </a:fld>
             <a:endParaRPr lang="ru-RU"/>
           </a:p>
@@ -2366,7 +2368,7 @@
           <a:p>
             <a:fld id="{B4C71EC6-210F-42DE-9C53-41977AD35B3D}" type="datetimeFigureOut">
               <a:rPr lang="ru-RU" smtClean="0"/>
-              <a:t>06.12.2017</a:t>
+              <a:t>07.12.2017</a:t>
             </a:fld>
             <a:endParaRPr lang="ru-RU"/>
           </a:p>
@@ -2807,7 +2809,7 @@
           <a:p>
             <a:fld id="{B4C71EC6-210F-42DE-9C53-41977AD35B3D}" type="datetimeFigureOut">
               <a:rPr lang="ru-RU" smtClean="0"/>
-              <a:t>06.12.2017</a:t>
+              <a:t>07.12.2017</a:t>
             </a:fld>
             <a:endParaRPr lang="ru-RU"/>
           </a:p>
@@ -2903,7 +2905,7 @@
           <a:p>
             <a:fld id="{B4C71EC6-210F-42DE-9C53-41977AD35B3D}" type="datetimeFigureOut">
               <a:rPr lang="ru-RU" smtClean="0"/>
-              <a:t>06.12.2017</a:t>
+              <a:t>07.12.2017</a:t>
             </a:fld>
             <a:endParaRPr lang="ru-RU"/>
           </a:p>
@@ -3024,7 +3026,7 @@
           <a:p>
             <a:fld id="{B4C71EC6-210F-42DE-9C53-41977AD35B3D}" type="datetimeFigureOut">
               <a:rPr lang="ru-RU" smtClean="0"/>
-              <a:t>06.12.2017</a:t>
+              <a:t>07.12.2017</a:t>
             </a:fld>
             <a:endParaRPr lang="ru-RU"/>
           </a:p>
@@ -3293,7 +3295,7 @@
           <a:p>
             <a:fld id="{B4C71EC6-210F-42DE-9C53-41977AD35B3D}" type="datetimeFigureOut">
               <a:rPr lang="ru-RU" smtClean="0"/>
-              <a:t>06.12.2017</a:t>
+              <a:t>07.12.2017</a:t>
             </a:fld>
             <a:endParaRPr lang="ru-RU"/>
           </a:p>
@@ -3493,7 +3495,7 @@
           <a:p>
             <a:fld id="{B4C71EC6-210F-42DE-9C53-41977AD35B3D}" type="datetimeFigureOut">
               <a:rPr lang="ru-RU" smtClean="0"/>
-              <a:t>06.12.2017</a:t>
+              <a:t>07.12.2017</a:t>
             </a:fld>
             <a:endParaRPr lang="ru-RU"/>
           </a:p>
@@ -4611,7 +4613,7 @@
           <a:p>
             <a:fld id="{B4C71EC6-210F-42DE-9C53-41977AD35B3D}" type="datetimeFigureOut">
               <a:rPr lang="ru-RU" smtClean="0"/>
-              <a:t>06.12.2017</a:t>
+              <a:t>07.12.2017</a:t>
             </a:fld>
             <a:endParaRPr lang="ru-RU"/>
           </a:p>
@@ -5155,7 +5157,7 @@
           <a:lstStyle/>
           <a:p>
             <a:r>
-              <a:rPr lang="en-US" sz="4000" dirty="0" err="1">
+              <a:rPr lang="en-US" sz="4000" dirty="0" err="1" smtClean="0">
                 <a:latin typeface="PT Sans" pitchFamily="34" charset="-52"/>
                 <a:ea typeface="PT Sans" pitchFamily="34" charset="-52"/>
               </a:rPr>
@@ -5186,37 +5188,158 @@
           <a:lstStyle/>
           <a:p>
             <a:r>
+              <a:rPr lang="ru-RU" sz="2800" dirty="0">
+                <a:latin typeface="PT Sans" pitchFamily="34" charset="-52"/>
+                <a:ea typeface="PT Sans" pitchFamily="34" charset="-52"/>
+              </a:rPr>
+              <a:t>Поставить </a:t>
+            </a:r>
+            <a:r>
+              <a:rPr lang="en-GB" sz="2800" dirty="0">
+                <a:latin typeface="PT Sans" pitchFamily="34" charset="-52"/>
+                <a:ea typeface="PT Sans" pitchFamily="34" charset="-52"/>
+              </a:rPr>
+              <a:t>boost (</a:t>
+            </a:r>
+            <a:r>
+              <a:rPr lang="ru-RU" sz="2800" dirty="0">
+                <a:latin typeface="PT Sans" pitchFamily="34" charset="-52"/>
+                <a:ea typeface="PT Sans" pitchFamily="34" charset="-52"/>
+              </a:rPr>
+              <a:t>версия &gt; 1.61</a:t>
+            </a:r>
+            <a:r>
               <a:rPr lang="ru-RU" sz="2800" dirty="0" smtClean="0">
                 <a:latin typeface="PT Sans" pitchFamily="34" charset="-52"/>
                 <a:ea typeface="PT Sans" pitchFamily="34" charset="-52"/>
               </a:rPr>
-              <a:t>Пример: получение списка </a:t>
-            </a:r>
-            <a:r>
-              <a:rPr lang="en-US" sz="2800" dirty="0" smtClean="0">
-                <a:latin typeface="PT Sans" pitchFamily="34" charset="-52"/>
-                <a:ea typeface="PT Sans" pitchFamily="34" charset="-52"/>
-              </a:rPr>
-              <a:t>GPU </a:t>
-            </a:r>
-            <a:r>
-              <a:rPr lang="ru-RU" sz="2800" dirty="0" smtClean="0">
-                <a:latin typeface="PT Sans" pitchFamily="34" charset="-52"/>
-                <a:ea typeface="PT Sans" pitchFamily="34" charset="-52"/>
-              </a:rPr>
-              <a:t>поддерживающих вычисления в двойной точностью и включение их в текущий контекст</a:t>
-            </a:r>
-            <a:endParaRPr lang="en-US" sz="2800" dirty="0">
+              <a:t>)</a:t>
+            </a:r>
+            <a:endParaRPr lang="en-US" sz="2800" dirty="0" smtClean="0">
               <a:latin typeface="PT Sans" pitchFamily="34" charset="-52"/>
               <a:ea typeface="PT Sans" pitchFamily="34" charset="-52"/>
             </a:endParaRPr>
           </a:p>
+          <a:p>
+            <a:r>
+              <a:rPr lang="ru-RU" sz="2800" dirty="0">
+                <a:latin typeface="PT Sans" pitchFamily="34" charset="-52"/>
+                <a:ea typeface="PT Sans" pitchFamily="34" charset="-52"/>
+              </a:rPr>
+              <a:t>Скачать </a:t>
+            </a:r>
+            <a:r>
+              <a:rPr lang="en-GB" sz="2800" dirty="0" err="1">
+                <a:latin typeface="PT Sans" pitchFamily="34" charset="-52"/>
+                <a:ea typeface="PT Sans" pitchFamily="34" charset="-52"/>
+                <a:hlinkClick r:id="rId2"/>
+              </a:rPr>
+              <a:t>VexCL</a:t>
+            </a:r>
+            <a:endParaRPr lang="ru-RU" sz="2800" dirty="0">
+              <a:latin typeface="PT Sans" pitchFamily="34" charset="-52"/>
+              <a:ea typeface="PT Sans" pitchFamily="34" charset="-52"/>
+            </a:endParaRPr>
+          </a:p>
+          <a:p>
+            <a:r>
+              <a:rPr lang="ru-RU" sz="2800" dirty="0">
+                <a:latin typeface="PT Sans" pitchFamily="34" charset="-52"/>
+                <a:ea typeface="PT Sans" pitchFamily="34" charset="-52"/>
+              </a:rPr>
+              <a:t>Сконфигурировать </a:t>
+            </a:r>
+            <a:r>
+              <a:rPr lang="en-GB" sz="2800" dirty="0" err="1" smtClean="0">
+                <a:latin typeface="PT Sans" pitchFamily="34" charset="-52"/>
+                <a:ea typeface="PT Sans" pitchFamily="34" charset="-52"/>
+              </a:rPr>
+              <a:t>VexCL</a:t>
+            </a:r>
+            <a:endParaRPr lang="ru-RU" sz="2800" dirty="0" smtClean="0">
+              <a:latin typeface="PT Sans" pitchFamily="34" charset="-52"/>
+              <a:ea typeface="PT Sans" pitchFamily="34" charset="-52"/>
+            </a:endParaRPr>
+          </a:p>
+          <a:p>
+            <a:pPr lvl="1"/>
+            <a:r>
+              <a:rPr lang="en-GB" sz="2400" dirty="0">
+                <a:latin typeface="PT Sans" pitchFamily="34" charset="-52"/>
+                <a:ea typeface="PT Sans" pitchFamily="34" charset="-52"/>
+              </a:rPr>
+              <a:t>cd /</a:t>
+            </a:r>
+            <a:r>
+              <a:rPr lang="en-GB" sz="2400" dirty="0" err="1" smtClean="0">
+                <a:latin typeface="PT Sans" pitchFamily="34" charset="-52"/>
+                <a:ea typeface="PT Sans" pitchFamily="34" charset="-52"/>
+              </a:rPr>
+              <a:t>path_to_vexcl</a:t>
+            </a:r>
+            <a:r>
+              <a:rPr lang="ru-RU" sz="2400" dirty="0" smtClean="0">
+                <a:latin typeface="PT Sans" pitchFamily="34" charset="-52"/>
+                <a:ea typeface="PT Sans" pitchFamily="34" charset="-52"/>
+              </a:rPr>
+              <a:t>_</a:t>
+            </a:r>
+            <a:r>
+              <a:rPr lang="en-US" sz="2400" dirty="0" smtClean="0">
+                <a:latin typeface="PT Sans" pitchFamily="34" charset="-52"/>
+                <a:ea typeface="PT Sans" pitchFamily="34" charset="-52"/>
+              </a:rPr>
+              <a:t>directory</a:t>
+            </a:r>
+            <a:r>
+              <a:rPr lang="en-GB" sz="2400" dirty="0" smtClean="0">
+                <a:latin typeface="PT Sans" pitchFamily="34" charset="-52"/>
+                <a:ea typeface="PT Sans" pitchFamily="34" charset="-52"/>
+              </a:rPr>
+              <a:t>/</a:t>
+            </a:r>
+          </a:p>
+          <a:p>
+            <a:pPr lvl="1"/>
+            <a:r>
+              <a:rPr lang="en-GB" sz="2400" dirty="0" err="1">
+                <a:latin typeface="PT Sans" pitchFamily="34" charset="-52"/>
+                <a:ea typeface="PT Sans" pitchFamily="34" charset="-52"/>
+              </a:rPr>
+              <a:t>cmake</a:t>
+            </a:r>
+            <a:r>
+              <a:rPr lang="en-GB" sz="2400" dirty="0">
+                <a:latin typeface="PT Sans" pitchFamily="34" charset="-52"/>
+                <a:ea typeface="PT Sans" pitchFamily="34" charset="-52"/>
+              </a:rPr>
+              <a:t> . </a:t>
+            </a:r>
+            <a:r>
+              <a:rPr lang="en-GB" sz="2400" dirty="0" smtClean="0">
+                <a:latin typeface="PT Sans" pitchFamily="34" charset="-52"/>
+                <a:ea typeface="PT Sans" pitchFamily="34" charset="-52"/>
+              </a:rPr>
+              <a:t>-</a:t>
+            </a:r>
+            <a:r>
+              <a:rPr lang="en-GB" sz="2400" dirty="0" err="1" smtClean="0">
+                <a:latin typeface="PT Sans" pitchFamily="34" charset="-52"/>
+                <a:ea typeface="PT Sans" pitchFamily="34" charset="-52"/>
+              </a:rPr>
+              <a:t>Bbuild</a:t>
+            </a:r>
+            <a:endParaRPr lang="en-GB" sz="2400" dirty="0" smtClean="0">
+              <a:latin typeface="PT Sans" pitchFamily="34" charset="-52"/>
+              <a:ea typeface="PT Sans" pitchFamily="34" charset="-52"/>
+            </a:endParaRPr>
+          </a:p>
         </p:txBody>
       </p:sp>
     </p:spTree>
     <p:extLst>
       <p:ext uri="{BB962C8B-B14F-4D97-AF65-F5344CB8AC3E}">
-        <p14:creationId xmlns:p14="http://schemas.microsoft.com/office/powerpoint/2010/main" val="748496263"/>
+        <p14:creationId xmlns:p14="http://schemas.microsoft.com/office/powerpoint/2010/main" val="4108920810"/>
       </p:ext>
     </p:extLst>
   </p:cSld>
@@ -5306,52 +5429,172 @@
           <a:lstStyle/>
           <a:p>
             <a:r>
+              <a:rPr lang="en-GB" sz="2800" dirty="0">
+                <a:latin typeface="PT Sans" pitchFamily="34" charset="-52"/>
+                <a:ea typeface="PT Sans" pitchFamily="34" charset="-52"/>
+              </a:rPr>
+              <a:t>cd /</a:t>
+            </a:r>
+            <a:r>
+              <a:rPr lang="en-GB" sz="2800" dirty="0" err="1">
+                <a:latin typeface="PT Sans" pitchFamily="34" charset="-52"/>
+                <a:ea typeface="PT Sans" pitchFamily="34" charset="-52"/>
+              </a:rPr>
+              <a:t>path_to_code_directory</a:t>
+            </a:r>
+            <a:r>
+              <a:rPr lang="en-GB" sz="2800" dirty="0">
+                <a:latin typeface="PT Sans" pitchFamily="34" charset="-52"/>
+                <a:ea typeface="PT Sans" pitchFamily="34" charset="-52"/>
+              </a:rPr>
+              <a:t>/</a:t>
+            </a:r>
+          </a:p>
+          <a:p>
+            <a:r>
+              <a:rPr lang="ru-RU" sz="2800" dirty="0">
+                <a:latin typeface="PT Sans" pitchFamily="34" charset="-52"/>
+                <a:ea typeface="PT Sans" pitchFamily="34" charset="-52"/>
+              </a:rPr>
+              <a:t>Создать код с использованием </a:t>
+            </a:r>
+            <a:r>
+              <a:rPr lang="ru-RU" sz="2800" dirty="0" err="1">
+                <a:latin typeface="PT Sans" pitchFamily="34" charset="-52"/>
+                <a:ea typeface="PT Sans" pitchFamily="34" charset="-52"/>
+              </a:rPr>
+              <a:t>VexCL</a:t>
+            </a:r>
+            <a:endParaRPr lang="en-US" sz="2800" dirty="0">
+              <a:latin typeface="PT Sans" pitchFamily="34" charset="-52"/>
+              <a:ea typeface="PT Sans" pitchFamily="34" charset="-52"/>
+            </a:endParaRPr>
+          </a:p>
+          <a:p>
+            <a:r>
+              <a:rPr lang="ru-RU" sz="2800" dirty="0">
+                <a:latin typeface="PT Sans" pitchFamily="34" charset="-52"/>
+                <a:ea typeface="PT Sans" pitchFamily="34" charset="-52"/>
+              </a:rPr>
+              <a:t>Создать </a:t>
+            </a:r>
+            <a:r>
+              <a:rPr lang="en-GB" sz="2800" dirty="0">
+                <a:latin typeface="PT Sans" pitchFamily="34" charset="-52"/>
+                <a:ea typeface="PT Sans" pitchFamily="34" charset="-52"/>
+              </a:rPr>
+              <a:t>CMakeLists.txt </a:t>
+            </a:r>
+            <a:r>
+              <a:rPr lang="ru-RU" sz="2800" dirty="0">
+                <a:latin typeface="PT Sans" pitchFamily="34" charset="-52"/>
+                <a:ea typeface="PT Sans" pitchFamily="34" charset="-52"/>
+              </a:rPr>
+              <a:t>по </a:t>
+            </a:r>
+            <a:r>
               <a:rPr lang="ru-RU" sz="2800" dirty="0" smtClean="0">
                 <a:latin typeface="PT Sans" pitchFamily="34" charset="-52"/>
                 <a:ea typeface="PT Sans" pitchFamily="34" charset="-52"/>
               </a:rPr>
-              <a:t>Основной фокус библиотеки – операции над векторами</a:t>
-            </a:r>
-          </a:p>
-          <a:p>
-            <a:pPr lvl="1"/>
-            <a:r>
-              <a:rPr lang="ru-RU" sz="2400" dirty="0" smtClean="0">
-                <a:latin typeface="PT Sans" pitchFamily="34" charset="-52"/>
-                <a:ea typeface="PT Sans" pitchFamily="34" charset="-52"/>
-              </a:rPr>
-              <a:t>Векторы должны иметь одинаковый размер</a:t>
-            </a:r>
-          </a:p>
-          <a:p>
-            <a:pPr lvl="1"/>
-            <a:r>
-              <a:rPr lang="ru-RU" sz="2400" dirty="0" smtClean="0">
-                <a:latin typeface="PT Sans" pitchFamily="34" charset="-52"/>
-                <a:ea typeface="PT Sans" pitchFamily="34" charset="-52"/>
-              </a:rPr>
-              <a:t>Должны размещаться в памяти одного и того же устройства</a:t>
-            </a:r>
-          </a:p>
-          <a:p>
-            <a:r>
-              <a:rPr lang="ru-RU" sz="2800" dirty="0" smtClean="0">
-                <a:latin typeface="PT Sans" pitchFamily="34" charset="-52"/>
-                <a:ea typeface="PT Sans" pitchFamily="34" charset="-52"/>
-              </a:rPr>
-              <a:t>Каждая операция над векторами приводит к запуску вычислительного ядра</a:t>
+              <a:t>образцу</a:t>
             </a:r>
             <a:endParaRPr lang="en-US" sz="2800" dirty="0" smtClean="0">
               <a:latin typeface="PT Sans" pitchFamily="34" charset="-52"/>
               <a:ea typeface="PT Sans" pitchFamily="34" charset="-52"/>
             </a:endParaRPr>
           </a:p>
+          <a:p>
+            <a:r>
+              <a:rPr lang="ru-RU" sz="2800" dirty="0">
+                <a:latin typeface="PT Sans" pitchFamily="34" charset="-52"/>
+                <a:ea typeface="PT Sans" pitchFamily="34" charset="-52"/>
+              </a:rPr>
+              <a:t>Собрать свой </a:t>
+            </a:r>
+            <a:r>
+              <a:rPr lang="ru-RU" sz="2800" dirty="0" smtClean="0">
+                <a:latin typeface="PT Sans" pitchFamily="34" charset="-52"/>
+                <a:ea typeface="PT Sans" pitchFamily="34" charset="-52"/>
+              </a:rPr>
+              <a:t>код</a:t>
+            </a:r>
+            <a:endParaRPr lang="en-US" sz="2800" dirty="0" smtClean="0">
+              <a:latin typeface="PT Sans" pitchFamily="34" charset="-52"/>
+              <a:ea typeface="PT Sans" pitchFamily="34" charset="-52"/>
+            </a:endParaRPr>
+          </a:p>
+          <a:p>
+            <a:pPr lvl="1"/>
+            <a:r>
+              <a:rPr lang="en-US" sz="2400" dirty="0" err="1">
+                <a:latin typeface="PT Sans" pitchFamily="34" charset="-52"/>
+                <a:ea typeface="PT Sans" pitchFamily="34" charset="-52"/>
+              </a:rPr>
+              <a:t>mkdir</a:t>
+            </a:r>
+            <a:r>
+              <a:rPr lang="en-US" sz="2400" dirty="0">
+                <a:latin typeface="PT Sans" pitchFamily="34" charset="-52"/>
+                <a:ea typeface="PT Sans" pitchFamily="34" charset="-52"/>
+              </a:rPr>
+              <a:t> </a:t>
+            </a:r>
+            <a:r>
+              <a:rPr lang="en-US" sz="2400" dirty="0" smtClean="0">
+                <a:latin typeface="PT Sans" pitchFamily="34" charset="-52"/>
+                <a:ea typeface="PT Sans" pitchFamily="34" charset="-52"/>
+              </a:rPr>
+              <a:t>build</a:t>
+            </a:r>
+          </a:p>
+          <a:p>
+            <a:pPr lvl="1"/>
+            <a:r>
+              <a:rPr lang="en-US" sz="2400" dirty="0">
+                <a:latin typeface="PT Sans" pitchFamily="34" charset="-52"/>
+                <a:ea typeface="PT Sans" pitchFamily="34" charset="-52"/>
+              </a:rPr>
+              <a:t>cd </a:t>
+            </a:r>
+            <a:r>
+              <a:rPr lang="en-US" sz="2400" dirty="0" smtClean="0">
+                <a:latin typeface="PT Sans" pitchFamily="34" charset="-52"/>
+                <a:ea typeface="PT Sans" pitchFamily="34" charset="-52"/>
+              </a:rPr>
+              <a:t>build</a:t>
+            </a:r>
+          </a:p>
+          <a:p>
+            <a:pPr lvl="1"/>
+            <a:r>
+              <a:rPr lang="en-US" sz="2400" dirty="0" err="1">
+                <a:latin typeface="PT Sans" pitchFamily="34" charset="-52"/>
+                <a:ea typeface="PT Sans" pitchFamily="34" charset="-52"/>
+              </a:rPr>
+              <a:t>cmake</a:t>
+            </a:r>
+            <a:r>
+              <a:rPr lang="en-US" sz="2400" dirty="0">
+                <a:latin typeface="PT Sans" pitchFamily="34" charset="-52"/>
+                <a:ea typeface="PT Sans" pitchFamily="34" charset="-52"/>
+              </a:rPr>
+              <a:t> </a:t>
+            </a:r>
+            <a:r>
+              <a:rPr lang="en-US" sz="2400" dirty="0" smtClean="0">
+                <a:latin typeface="PT Sans" pitchFamily="34" charset="-52"/>
+                <a:ea typeface="PT Sans" pitchFamily="34" charset="-52"/>
+              </a:rPr>
+              <a:t>..</a:t>
+            </a:r>
+          </a:p>
         </p:txBody>
       </p:sp>
     </p:spTree>
     <p:extLst>
       <p:ext uri="{BB962C8B-B14F-4D97-AF65-F5344CB8AC3E}">
-        <p14:creationId xmlns:p14="http://schemas.microsoft.com/office/powerpoint/2010/main" val="1746622371"/>
+        <p14:creationId xmlns:p14="http://schemas.microsoft.com/office/powerpoint/2010/main" val="2704879853"/>
       </p:ext>
     </p:extLst>
   </p:cSld>
@@ -5441,6 +5684,261 @@
           <a:lstStyle/>
           <a:p>
             <a:r>
+              <a:rPr lang="ru-RU" sz="2800" dirty="0" smtClean="0">
+                <a:latin typeface="PT Sans" pitchFamily="34" charset="-52"/>
+                <a:ea typeface="PT Sans" pitchFamily="34" charset="-52"/>
+              </a:rPr>
+              <a:t>Пример: получение списка </a:t>
+            </a:r>
+            <a:r>
+              <a:rPr lang="en-US" sz="2800" dirty="0" smtClean="0">
+                <a:latin typeface="PT Sans" pitchFamily="34" charset="-52"/>
+                <a:ea typeface="PT Sans" pitchFamily="34" charset="-52"/>
+              </a:rPr>
+              <a:t>GPU </a:t>
+            </a:r>
+            <a:r>
+              <a:rPr lang="ru-RU" sz="2800" dirty="0" smtClean="0">
+                <a:latin typeface="PT Sans" pitchFamily="34" charset="-52"/>
+                <a:ea typeface="PT Sans" pitchFamily="34" charset="-52"/>
+              </a:rPr>
+              <a:t>поддерживающих вычисления в двойной точностью и включение их в текущий контекст</a:t>
+            </a:r>
+            <a:endParaRPr lang="en-US" sz="2800" dirty="0">
+              <a:latin typeface="PT Sans" pitchFamily="34" charset="-52"/>
+              <a:ea typeface="PT Sans" pitchFamily="34" charset="-52"/>
+            </a:endParaRPr>
+          </a:p>
+        </p:txBody>
+      </p:sp>
+    </p:spTree>
+    <p:extLst>
+      <p:ext uri="{BB962C8B-B14F-4D97-AF65-F5344CB8AC3E}">
+        <p14:creationId xmlns:p14="http://schemas.microsoft.com/office/powerpoint/2010/main" val="748496263"/>
+      </p:ext>
+    </p:extLst>
+  </p:cSld>
+  <p:clrMapOvr>
+    <a:masterClrMapping/>
+  </p:clrMapOvr>
+  <p:timing>
+    <p:tnLst>
+      <p:par>
+        <p:cTn id="1" dur="indefinite" restart="never" nodeType="tmRoot"/>
+      </p:par>
+    </p:tnLst>
+  </p:timing>
+</p:sld>
+</file>
+
+<file path=ppt/slides/slide13.xml><?xml version="1.0" encoding="utf-8"?>
+<p:sld xmlns:a="http://schemas.openxmlformats.org/drawingml/2006/main" xmlns:r="http://schemas.openxmlformats.org/officeDocument/2006/relationships" xmlns:p="http://schemas.openxmlformats.org/presentationml/2006/main">
+  <p:cSld>
+    <p:spTree>
+      <p:nvGrpSpPr>
+        <p:cNvPr id="1" name=""/>
+        <p:cNvGrpSpPr/>
+        <p:nvPr/>
+      </p:nvGrpSpPr>
+      <p:grpSpPr>
+        <a:xfrm>
+          <a:off x="0" y="0"/>
+          <a:ext cx="0" cy="0"/>
+          <a:chOff x="0" y="0"/>
+          <a:chExt cx="0" cy="0"/>
+        </a:xfrm>
+      </p:grpSpPr>
+      <p:sp>
+        <p:nvSpPr>
+          <p:cNvPr id="10" name="Заголовок 9"/>
+          <p:cNvSpPr>
+            <a:spLocks noGrp="1"/>
+          </p:cNvSpPr>
+          <p:nvPr>
+            <p:ph type="title"/>
+          </p:nvPr>
+        </p:nvSpPr>
+        <p:spPr/>
+        <p:txBody>
+          <a:bodyPr vert="horz" rtlCol="0" anchor="ctr">
+            <a:normAutofit/>
+            <a:scene3d>
+              <a:camera prst="orthographicFront"/>
+              <a:lightRig rig="soft" dir="t"/>
+            </a:scene3d>
+            <a:sp3d prstMaterial="softEdge">
+              <a:bevelT w="25400" h="25400"/>
+            </a:sp3d>
+          </a:bodyPr>
+          <a:lstStyle/>
+          <a:p>
+            <a:r>
+              <a:rPr lang="en-US" sz="4000" dirty="0" err="1" smtClean="0">
+                <a:latin typeface="PT Sans" pitchFamily="34" charset="-52"/>
+                <a:ea typeface="PT Sans" pitchFamily="34" charset="-52"/>
+              </a:rPr>
+              <a:t>VexCL</a:t>
+            </a:r>
+            <a:endParaRPr lang="ru-RU" sz="4000" dirty="0">
+              <a:latin typeface="PT Sans" pitchFamily="34" charset="-52"/>
+              <a:ea typeface="PT Sans" pitchFamily="34" charset="-52"/>
+            </a:endParaRPr>
+          </a:p>
+        </p:txBody>
+      </p:sp>
+      <p:sp>
+        <p:nvSpPr>
+          <p:cNvPr id="13" name="Объект 2"/>
+          <p:cNvSpPr>
+            <a:spLocks noGrp="1"/>
+          </p:cNvSpPr>
+          <p:nvPr>
+            <p:ph idx="1"/>
+          </p:nvPr>
+        </p:nvSpPr>
+        <p:spPr/>
+        <p:txBody>
+          <a:bodyPr vert="horz">
+            <a:normAutofit/>
+          </a:bodyPr>
+          <a:lstStyle/>
+          <a:p>
+            <a:r>
+              <a:rPr lang="ru-RU" sz="2800" dirty="0" smtClean="0">
+                <a:latin typeface="PT Sans" pitchFamily="34" charset="-52"/>
+                <a:ea typeface="PT Sans" pitchFamily="34" charset="-52"/>
+              </a:rPr>
+              <a:t>Основной фокус библиотеки – операции над векторами</a:t>
+            </a:r>
+          </a:p>
+          <a:p>
+            <a:pPr lvl="1"/>
+            <a:r>
+              <a:rPr lang="ru-RU" sz="2400" dirty="0" smtClean="0">
+                <a:latin typeface="PT Sans" pitchFamily="34" charset="-52"/>
+                <a:ea typeface="PT Sans" pitchFamily="34" charset="-52"/>
+              </a:rPr>
+              <a:t>Векторы должны иметь одинаковый размер</a:t>
+            </a:r>
+          </a:p>
+          <a:p>
+            <a:pPr lvl="1"/>
+            <a:r>
+              <a:rPr lang="ru-RU" sz="2400" dirty="0" smtClean="0">
+                <a:latin typeface="PT Sans" pitchFamily="34" charset="-52"/>
+                <a:ea typeface="PT Sans" pitchFamily="34" charset="-52"/>
+              </a:rPr>
+              <a:t>Должны размещаться в памяти одного и того же устройства</a:t>
+            </a:r>
+          </a:p>
+          <a:p>
+            <a:r>
+              <a:rPr lang="ru-RU" sz="2800" dirty="0" smtClean="0">
+                <a:latin typeface="PT Sans" pitchFamily="34" charset="-52"/>
+                <a:ea typeface="PT Sans" pitchFamily="34" charset="-52"/>
+              </a:rPr>
+              <a:t>Каждая операция над векторами приводит к запуску вычислительного ядра</a:t>
+            </a:r>
+            <a:endParaRPr lang="en-US" sz="2800" dirty="0" smtClean="0">
+              <a:latin typeface="PT Sans" pitchFamily="34" charset="-52"/>
+              <a:ea typeface="PT Sans" pitchFamily="34" charset="-52"/>
+            </a:endParaRPr>
+          </a:p>
+        </p:txBody>
+      </p:sp>
+    </p:spTree>
+    <p:extLst>
+      <p:ext uri="{BB962C8B-B14F-4D97-AF65-F5344CB8AC3E}">
+        <p14:creationId xmlns:p14="http://schemas.microsoft.com/office/powerpoint/2010/main" val="1746622371"/>
+      </p:ext>
+    </p:extLst>
+  </p:cSld>
+  <p:clrMapOvr>
+    <a:masterClrMapping/>
+  </p:clrMapOvr>
+  <p:timing>
+    <p:tnLst>
+      <p:par>
+        <p:cTn id="1" dur="indefinite" restart="never" nodeType="tmRoot"/>
+      </p:par>
+    </p:tnLst>
+  </p:timing>
+</p:sld>
+</file>
+
+<file path=ppt/slides/slide14.xml><?xml version="1.0" encoding="utf-8"?>
+<p:sld xmlns:a="http://schemas.openxmlformats.org/drawingml/2006/main" xmlns:r="http://schemas.openxmlformats.org/officeDocument/2006/relationships" xmlns:p="http://schemas.openxmlformats.org/presentationml/2006/main">
+  <p:cSld>
+    <p:spTree>
+      <p:nvGrpSpPr>
+        <p:cNvPr id="1" name=""/>
+        <p:cNvGrpSpPr/>
+        <p:nvPr/>
+      </p:nvGrpSpPr>
+      <p:grpSpPr>
+        <a:xfrm>
+          <a:off x="0" y="0"/>
+          <a:ext cx="0" cy="0"/>
+          <a:chOff x="0" y="0"/>
+          <a:chExt cx="0" cy="0"/>
+        </a:xfrm>
+      </p:grpSpPr>
+      <p:sp>
+        <p:nvSpPr>
+          <p:cNvPr id="10" name="Заголовок 9"/>
+          <p:cNvSpPr>
+            <a:spLocks noGrp="1"/>
+          </p:cNvSpPr>
+          <p:nvPr>
+            <p:ph type="title"/>
+          </p:nvPr>
+        </p:nvSpPr>
+        <p:spPr/>
+        <p:txBody>
+          <a:bodyPr vert="horz" rtlCol="0" anchor="ctr">
+            <a:normAutofit/>
+            <a:scene3d>
+              <a:camera prst="orthographicFront"/>
+              <a:lightRig rig="soft" dir="t"/>
+            </a:scene3d>
+            <a:sp3d prstMaterial="softEdge">
+              <a:bevelT w="25400" h="25400"/>
+            </a:sp3d>
+          </a:bodyPr>
+          <a:lstStyle/>
+          <a:p>
+            <a:r>
+              <a:rPr lang="en-US" sz="4000" dirty="0" err="1">
+                <a:latin typeface="PT Sans" pitchFamily="34" charset="-52"/>
+                <a:ea typeface="PT Sans" pitchFamily="34" charset="-52"/>
+              </a:rPr>
+              <a:t>VexCL</a:t>
+            </a:r>
+            <a:endParaRPr lang="ru-RU" sz="4000" dirty="0">
+              <a:latin typeface="PT Sans" pitchFamily="34" charset="-52"/>
+              <a:ea typeface="PT Sans" pitchFamily="34" charset="-52"/>
+            </a:endParaRPr>
+          </a:p>
+        </p:txBody>
+      </p:sp>
+      <p:sp>
+        <p:nvSpPr>
+          <p:cNvPr id="13" name="Объект 2"/>
+          <p:cNvSpPr>
+            <a:spLocks noGrp="1"/>
+          </p:cNvSpPr>
+          <p:nvPr>
+            <p:ph idx="1"/>
+          </p:nvPr>
+        </p:nvSpPr>
+        <p:spPr/>
+        <p:txBody>
+          <a:bodyPr vert="horz">
+            <a:normAutofit/>
+          </a:bodyPr>
+          <a:lstStyle/>
+          <a:p>
+            <a:r>
               <a:rPr lang="ru-RU" sz="2800" dirty="0">
                 <a:latin typeface="PT Sans" pitchFamily="34" charset="-52"/>
                 <a:ea typeface="PT Sans" pitchFamily="34" charset="-52"/>
@@ -5495,7 +5993,7 @@
 </p:sld>
 </file>
 
-<file path=ppt/slides/slide13.xml><?xml version="1.0" encoding="utf-8"?>
+<file path=ppt/slides/slide15.xml><?xml version="1.0" encoding="utf-8"?>
 <p:sld xmlns:a="http://schemas.openxmlformats.org/drawingml/2006/main" xmlns:r="http://schemas.openxmlformats.org/officeDocument/2006/relationships" xmlns:p="http://schemas.openxmlformats.org/presentationml/2006/main">
   <p:cSld>
     <p:spTree>
@@ -5799,28 +6297,14 @@
                 <a:latin typeface="PT Sans" pitchFamily="34" charset="-52"/>
                 <a:ea typeface="PT Sans" pitchFamily="34" charset="-52"/>
               </a:rPr>
-              <a:t>путь к папке </a:t>
-            </a:r>
-            <a:r>
-              <a:rPr lang="ru-RU" sz="2400" dirty="0" smtClean="0">
-                <a:latin typeface="PT Sans" pitchFamily="34" charset="-52"/>
-                <a:ea typeface="PT Sans" pitchFamily="34" charset="-52"/>
-              </a:rPr>
-              <a:t>с </a:t>
+              <a:t>путь к папке с </a:t>
             </a:r>
             <a:r>
               <a:rPr lang="en-US" sz="2400" dirty="0" smtClean="0">
                 <a:latin typeface="PT Sans" pitchFamily="34" charset="-52"/>
                 <a:ea typeface="PT Sans" pitchFamily="34" charset="-52"/>
               </a:rPr>
-              <a:t>boost</a:t>
-            </a:r>
-            <a:r>
-              <a:rPr lang="en-US" sz="2400" dirty="0" smtClean="0">
-                <a:latin typeface="PT Sans" pitchFamily="34" charset="-52"/>
-                <a:ea typeface="PT Sans" pitchFamily="34" charset="-52"/>
-              </a:rPr>
-              <a:t>/</a:t>
+              <a:t>boost/</a:t>
             </a:r>
             <a:endParaRPr lang="ru-RU" sz="2400" dirty="0" smtClean="0">
               <a:latin typeface="PT Sans" pitchFamily="34" charset="-52"/>
@@ -6284,14 +6768,7 @@
                 <a:latin typeface="PT Sans" pitchFamily="34" charset="-52"/>
                 <a:ea typeface="PT Sans" pitchFamily="34" charset="-52"/>
               </a:rPr>
-              <a:t>передача </a:t>
-            </a:r>
-            <a:r>
-              <a:rPr lang="ru-RU" sz="2800" dirty="0" smtClean="0">
-                <a:latin typeface="PT Sans" pitchFamily="34" charset="-52"/>
-                <a:ea typeface="PT Sans" pitchFamily="34" charset="-52"/>
-              </a:rPr>
-              <a:t>данных с хоста на устройство посредством </a:t>
+              <a:t>передача данных с хоста на устройство посредством </a:t>
             </a:r>
             <a:r>
               <a:rPr lang="en-US" sz="2800" dirty="0" err="1" smtClean="0">
@@ -6599,14 +7076,7 @@
                 <a:latin typeface="PT Sans" pitchFamily="34" charset="-52"/>
                 <a:ea typeface="PT Sans" pitchFamily="34" charset="-52"/>
               </a:rPr>
-              <a:t> </a:t>
-            </a:r>
-            <a:r>
-              <a:rPr lang="ru-RU" sz="2800" dirty="0" smtClean="0">
-                <a:latin typeface="PT Sans" pitchFamily="34" charset="-52"/>
-                <a:ea typeface="PT Sans" pitchFamily="34" charset="-52"/>
-              </a:rPr>
-              <a:t>использования собственных функций и лямбда-выражений для передачи в</a:t>
+              <a:t> использования собственных функций и лямбда-выражений для передачи в</a:t>
             </a:r>
             <a:r>
               <a:rPr lang="en-US" sz="2800" dirty="0" smtClean="0">
@@ -6931,115 +7401,14 @@
           </a:p>
           <a:p>
             <a:r>
-              <a:rPr lang="en-US" sz="2800" dirty="0" smtClean="0">
+              <a:rPr lang="ru-RU" sz="2800" dirty="0" smtClean="0">
                 <a:latin typeface="PT Sans" pitchFamily="34" charset="-52"/>
                 <a:ea typeface="PT Sans" pitchFamily="34" charset="-52"/>
                 <a:hlinkClick r:id="rId2"/>
               </a:rPr>
-              <a:t>https</a:t>
-            </a:r>
-            <a:r>
-              <a:rPr lang="en-US" sz="2800" dirty="0">
-                <a:latin typeface="PT Sans" pitchFamily="34" charset="-52"/>
-                <a:ea typeface="PT Sans" pitchFamily="34" charset="-52"/>
-                <a:hlinkClick r:id="rId2"/>
-              </a:rPr>
-              <a:t>://github.com/ddemidov/vexcl</a:t>
+              <a:t>Документация библиотеки</a:t>
             </a:r>
             <a:endParaRPr lang="ru-RU" sz="2800" dirty="0">
-              <a:latin typeface="PT Sans" pitchFamily="34" charset="-52"/>
-              <a:ea typeface="PT Sans" pitchFamily="34" charset="-52"/>
-            </a:endParaRPr>
-          </a:p>
-          <a:p>
-            <a:r>
-              <a:rPr lang="ru-RU" sz="2800" dirty="0" smtClean="0">
-                <a:latin typeface="PT Sans" pitchFamily="34" charset="-52"/>
-                <a:ea typeface="PT Sans" pitchFamily="34" charset="-52"/>
-              </a:rPr>
-              <a:t>Для компиляции проекта необходимо</a:t>
-            </a:r>
-          </a:p>
-          <a:p>
-            <a:pPr lvl="1"/>
-            <a:r>
-              <a:rPr lang="ru-RU" sz="2400" dirty="0" smtClean="0">
-                <a:latin typeface="PT Sans" pitchFamily="34" charset="-52"/>
-                <a:ea typeface="PT Sans" pitchFamily="34" charset="-52"/>
-              </a:rPr>
-              <a:t>Указать папку с библиотеками </a:t>
-            </a:r>
-            <a:r>
-              <a:rPr lang="en-US" sz="2400" dirty="0" smtClean="0">
-                <a:latin typeface="PT Sans" pitchFamily="34" charset="-52"/>
-                <a:ea typeface="PT Sans" pitchFamily="34" charset="-52"/>
-              </a:rPr>
-              <a:t>Boost</a:t>
-            </a:r>
-            <a:r>
-              <a:rPr lang="ru-RU" sz="2400" dirty="0" smtClean="0">
-                <a:latin typeface="PT Sans" pitchFamily="34" charset="-52"/>
-                <a:ea typeface="PT Sans" pitchFamily="34" charset="-52"/>
-              </a:rPr>
-              <a:t>(флаг -</a:t>
-            </a:r>
-            <a:r>
-              <a:rPr lang="en-US" sz="2400" dirty="0" smtClean="0">
-                <a:latin typeface="PT Sans" pitchFamily="34" charset="-52"/>
-                <a:ea typeface="PT Sans" pitchFamily="34" charset="-52"/>
-              </a:rPr>
-              <a:t>L</a:t>
-            </a:r>
-            <a:r>
-              <a:rPr lang="ru-RU" sz="2400" dirty="0" smtClean="0">
-                <a:latin typeface="PT Sans" pitchFamily="34" charset="-52"/>
-                <a:ea typeface="PT Sans" pitchFamily="34" charset="-52"/>
-              </a:rPr>
-              <a:t>)</a:t>
-            </a:r>
-            <a:endParaRPr lang="ru-RU" sz="2400" dirty="0">
-              <a:latin typeface="PT Sans" pitchFamily="34" charset="-52"/>
-              <a:ea typeface="PT Sans" pitchFamily="34" charset="-52"/>
-            </a:endParaRPr>
-          </a:p>
-          <a:p>
-            <a:pPr lvl="1"/>
-            <a:r>
-              <a:rPr lang="ru-RU" sz="2400" dirty="0" smtClean="0">
-                <a:latin typeface="PT Sans" pitchFamily="34" charset="-52"/>
-                <a:ea typeface="PT Sans" pitchFamily="34" charset="-52"/>
-              </a:rPr>
-              <a:t>Слинковать его с </a:t>
-            </a:r>
-            <a:r>
-              <a:rPr lang="en-US" sz="2400" dirty="0" err="1" smtClean="0">
-                <a:latin typeface="PT Sans" pitchFamily="34" charset="-52"/>
-                <a:ea typeface="PT Sans" pitchFamily="34" charset="-52"/>
-              </a:rPr>
-              <a:t>boost_system</a:t>
-            </a:r>
-            <a:r>
-              <a:rPr lang="ru-RU" sz="2400" dirty="0" smtClean="0">
-                <a:latin typeface="PT Sans" pitchFamily="34" charset="-52"/>
-                <a:ea typeface="PT Sans" pitchFamily="34" charset="-52"/>
-              </a:rPr>
-              <a:t> </a:t>
-            </a:r>
-            <a:r>
-              <a:rPr lang="ru-RU" sz="2400" dirty="0" smtClean="0">
-                <a:latin typeface="PT Sans" pitchFamily="34" charset="-52"/>
-                <a:ea typeface="PT Sans" pitchFamily="34" charset="-52"/>
-              </a:rPr>
-              <a:t>и </a:t>
-            </a:r>
-            <a:r>
-              <a:rPr lang="en-US" sz="2400" dirty="0" err="1" smtClean="0">
-                <a:latin typeface="PT Sans" pitchFamily="34" charset="-52"/>
-                <a:ea typeface="PT Sans" pitchFamily="34" charset="-52"/>
-              </a:rPr>
-              <a:t>boost_filesystem</a:t>
-            </a:r>
-            <a:endParaRPr lang="ru-RU" sz="2400" dirty="0" smtClean="0">
               <a:latin typeface="PT Sans" pitchFamily="34" charset="-52"/>
               <a:ea typeface="PT Sans" pitchFamily="34" charset="-52"/>
             </a:endParaRPr>

--- a/materials/lec_3/lec_3.pptx
+++ b/materials/lec_3/lec_3.pptx
@@ -5,24 +5,26 @@
     <p:sldMasterId id="2147483900" r:id="rId1"/>
   </p:sldMasterIdLst>
   <p:notesMasterIdLst>
-    <p:notesMasterId r:id="rId17"/>
+    <p:notesMasterId r:id="rId19"/>
   </p:notesMasterIdLst>
   <p:sldIdLst>
     <p:sldId id="256" r:id="rId2"/>
-    <p:sldId id="365" r:id="rId3"/>
-    <p:sldId id="367" r:id="rId4"/>
-    <p:sldId id="369" r:id="rId5"/>
-    <p:sldId id="368" r:id="rId6"/>
-    <p:sldId id="370" r:id="rId7"/>
-    <p:sldId id="371" r:id="rId8"/>
-    <p:sldId id="366" r:id="rId9"/>
-    <p:sldId id="372" r:id="rId10"/>
-    <p:sldId id="377" r:id="rId11"/>
-    <p:sldId id="378" r:id="rId12"/>
-    <p:sldId id="373" r:id="rId13"/>
-    <p:sldId id="374" r:id="rId14"/>
-    <p:sldId id="375" r:id="rId15"/>
-    <p:sldId id="376" r:id="rId16"/>
+    <p:sldId id="379" r:id="rId3"/>
+    <p:sldId id="365" r:id="rId4"/>
+    <p:sldId id="380" r:id="rId5"/>
+    <p:sldId id="381" r:id="rId6"/>
+    <p:sldId id="382" r:id="rId7"/>
+    <p:sldId id="368" r:id="rId8"/>
+    <p:sldId id="370" r:id="rId9"/>
+    <p:sldId id="371" r:id="rId10"/>
+    <p:sldId id="366" r:id="rId11"/>
+    <p:sldId id="372" r:id="rId12"/>
+    <p:sldId id="377" r:id="rId13"/>
+    <p:sldId id="378" r:id="rId14"/>
+    <p:sldId id="373" r:id="rId15"/>
+    <p:sldId id="374" r:id="rId16"/>
+    <p:sldId id="375" r:id="rId17"/>
+    <p:sldId id="376" r:id="rId18"/>
   </p:sldIdLst>
   <p:sldSz cx="9144000" cy="6858000" type="screen4x3"/>
   <p:notesSz cx="6858000" cy="9144000"/>
@@ -206,7 +208,7 @@
           <a:p>
             <a:fld id="{07CCACB0-F8FE-4858-B318-FD65BA258CC9}" type="datetimeFigureOut">
               <a:rPr lang="ru-RU" smtClean="0"/>
-              <a:t>07.12.2017</a:t>
+              <a:t>13.12.2017</a:t>
             </a:fld>
             <a:endParaRPr lang="ru-RU"/>
           </a:p>
@@ -539,7 +541,91 @@
           <a:p>
             <a:fld id="{A4386834-D4DC-4436-81F0-088D0656D606}" type="slidenum">
               <a:rPr lang="ru-RU" smtClean="0"/>
-              <a:t>15</a:t>
+              <a:t>2</a:t>
+            </a:fld>
+            <a:endParaRPr lang="ru-RU"/>
+          </a:p>
+        </p:txBody>
+      </p:sp>
+    </p:spTree>
+    <p:extLst>
+      <p:ext uri="{BB962C8B-B14F-4D97-AF65-F5344CB8AC3E}">
+        <p14:creationId xmlns:p14="http://schemas.microsoft.com/office/powerpoint/2010/main" val="616406196"/>
+      </p:ext>
+    </p:extLst>
+  </p:cSld>
+  <p:clrMapOvr>
+    <a:masterClrMapping/>
+  </p:clrMapOvr>
+</p:notes>
+</file>
+
+<file path=ppt/notesSlides/notesSlide2.xml><?xml version="1.0" encoding="utf-8"?>
+<p:notes xmlns:a="http://schemas.openxmlformats.org/drawingml/2006/main" xmlns:r="http://schemas.openxmlformats.org/officeDocument/2006/relationships" xmlns:p="http://schemas.openxmlformats.org/presentationml/2006/main">
+  <p:cSld>
+    <p:spTree>
+      <p:nvGrpSpPr>
+        <p:cNvPr id="1" name=""/>
+        <p:cNvGrpSpPr/>
+        <p:nvPr/>
+      </p:nvGrpSpPr>
+      <p:grpSpPr>
+        <a:xfrm>
+          <a:off x="0" y="0"/>
+          <a:ext cx="0" cy="0"/>
+          <a:chOff x="0" y="0"/>
+          <a:chExt cx="0" cy="0"/>
+        </a:xfrm>
+      </p:grpSpPr>
+      <p:sp>
+        <p:nvSpPr>
+          <p:cNvPr id="2" name="Образ слайда 1"/>
+          <p:cNvSpPr>
+            <a:spLocks noGrp="1" noRot="1" noChangeAspect="1"/>
+          </p:cNvSpPr>
+          <p:nvPr>
+            <p:ph type="sldImg"/>
+          </p:nvPr>
+        </p:nvSpPr>
+        <p:spPr/>
+      </p:sp>
+      <p:sp>
+        <p:nvSpPr>
+          <p:cNvPr id="3" name="Заметки 2"/>
+          <p:cNvSpPr>
+            <a:spLocks noGrp="1"/>
+          </p:cNvSpPr>
+          <p:nvPr>
+            <p:ph type="body" idx="1"/>
+          </p:nvPr>
+        </p:nvSpPr>
+        <p:spPr/>
+        <p:txBody>
+          <a:bodyPr/>
+          <a:lstStyle/>
+          <a:p>
+            <a:endParaRPr lang="ru-RU" dirty="0"/>
+          </a:p>
+        </p:txBody>
+      </p:sp>
+      <p:sp>
+        <p:nvSpPr>
+          <p:cNvPr id="4" name="Номер слайда 3"/>
+          <p:cNvSpPr>
+            <a:spLocks noGrp="1"/>
+          </p:cNvSpPr>
+          <p:nvPr>
+            <p:ph type="sldNum" sz="quarter" idx="10"/>
+          </p:nvPr>
+        </p:nvSpPr>
+        <p:spPr/>
+        <p:txBody>
+          <a:bodyPr/>
+          <a:lstStyle/>
+          <a:p>
+            <a:fld id="{A4386834-D4DC-4436-81F0-088D0656D606}" type="slidenum">
+              <a:rPr lang="ru-RU" smtClean="0"/>
+              <a:t>17</a:t>
             </a:fld>
             <a:endParaRPr lang="ru-RU"/>
           </a:p>
@@ -1183,7 +1269,7 @@
           <a:p>
             <a:fld id="{B4C71EC6-210F-42DE-9C53-41977AD35B3D}" type="datetimeFigureOut">
               <a:rPr lang="ru-RU" smtClean="0"/>
-              <a:t>07.12.2017</a:t>
+              <a:t>13.12.2017</a:t>
             </a:fld>
             <a:endParaRPr lang="ru-RU"/>
           </a:p>
@@ -1379,7 +1465,7 @@
           <a:p>
             <a:fld id="{B4C71EC6-210F-42DE-9C53-41977AD35B3D}" type="datetimeFigureOut">
               <a:rPr lang="ru-RU" smtClean="0"/>
-              <a:t>07.12.2017</a:t>
+              <a:t>13.12.2017</a:t>
             </a:fld>
             <a:endParaRPr lang="ru-RU"/>
           </a:p>
@@ -1564,7 +1650,7 @@
           <a:p>
             <a:fld id="{B4C71EC6-210F-42DE-9C53-41977AD35B3D}" type="datetimeFigureOut">
               <a:rPr lang="ru-RU" smtClean="0"/>
-              <a:t>07.12.2017</a:t>
+              <a:t>13.12.2017</a:t>
             </a:fld>
             <a:endParaRPr lang="ru-RU"/>
           </a:p>
@@ -1714,7 +1800,7 @@
           <a:p>
             <a:fld id="{B4C71EC6-210F-42DE-9C53-41977AD35B3D}" type="datetimeFigureOut">
               <a:rPr lang="ru-RU" smtClean="0"/>
-              <a:t>07.12.2017</a:t>
+              <a:t>13.12.2017</a:t>
             </a:fld>
             <a:endParaRPr lang="ru-RU"/>
           </a:p>
@@ -1964,7 +2050,7 @@
           <a:p>
             <a:fld id="{B4C71EC6-210F-42DE-9C53-41977AD35B3D}" type="datetimeFigureOut">
               <a:rPr lang="ru-RU" smtClean="0"/>
-              <a:t>07.12.2017</a:t>
+              <a:t>13.12.2017</a:t>
             </a:fld>
             <a:endParaRPr lang="ru-RU"/>
           </a:p>
@@ -2368,7 +2454,7 @@
           <a:p>
             <a:fld id="{B4C71EC6-210F-42DE-9C53-41977AD35B3D}" type="datetimeFigureOut">
               <a:rPr lang="ru-RU" smtClean="0"/>
-              <a:t>07.12.2017</a:t>
+              <a:t>13.12.2017</a:t>
             </a:fld>
             <a:endParaRPr lang="ru-RU"/>
           </a:p>
@@ -2809,7 +2895,7 @@
           <a:p>
             <a:fld id="{B4C71EC6-210F-42DE-9C53-41977AD35B3D}" type="datetimeFigureOut">
               <a:rPr lang="ru-RU" smtClean="0"/>
-              <a:t>07.12.2017</a:t>
+              <a:t>13.12.2017</a:t>
             </a:fld>
             <a:endParaRPr lang="ru-RU"/>
           </a:p>
@@ -2905,7 +2991,7 @@
           <a:p>
             <a:fld id="{B4C71EC6-210F-42DE-9C53-41977AD35B3D}" type="datetimeFigureOut">
               <a:rPr lang="ru-RU" smtClean="0"/>
-              <a:t>07.12.2017</a:t>
+              <a:t>13.12.2017</a:t>
             </a:fld>
             <a:endParaRPr lang="ru-RU"/>
           </a:p>
@@ -3026,7 +3112,7 @@
           <a:p>
             <a:fld id="{B4C71EC6-210F-42DE-9C53-41977AD35B3D}" type="datetimeFigureOut">
               <a:rPr lang="ru-RU" smtClean="0"/>
-              <a:t>07.12.2017</a:t>
+              <a:t>13.12.2017</a:t>
             </a:fld>
             <a:endParaRPr lang="ru-RU"/>
           </a:p>
@@ -3295,7 +3381,7 @@
           <a:p>
             <a:fld id="{B4C71EC6-210F-42DE-9C53-41977AD35B3D}" type="datetimeFigureOut">
               <a:rPr lang="ru-RU" smtClean="0"/>
-              <a:t>07.12.2017</a:t>
+              <a:t>13.12.2017</a:t>
             </a:fld>
             <a:endParaRPr lang="ru-RU"/>
           </a:p>
@@ -3495,7 +3581,7 @@
           <a:p>
             <a:fld id="{B4C71EC6-210F-42DE-9C53-41977AD35B3D}" type="datetimeFigureOut">
               <a:rPr lang="ru-RU" smtClean="0"/>
-              <a:t>07.12.2017</a:t>
+              <a:t>13.12.2017</a:t>
             </a:fld>
             <a:endParaRPr lang="ru-RU"/>
           </a:p>
@@ -4613,7 +4699,7 @@
           <a:p>
             <a:fld id="{B4C71EC6-210F-42DE-9C53-41977AD35B3D}" type="datetimeFigureOut">
               <a:rPr lang="ru-RU" smtClean="0"/>
-              <a:t>07.12.2017</a:t>
+              <a:t>13.12.2017</a:t>
             </a:fld>
             <a:endParaRPr lang="ru-RU"/>
           </a:p>
@@ -5188,158 +5274,110 @@
           <a:lstStyle/>
           <a:p>
             <a:r>
+              <a:rPr lang="ru-RU" sz="2800" dirty="0" smtClean="0">
+                <a:latin typeface="PT Sans" pitchFamily="34" charset="-52"/>
+                <a:ea typeface="PT Sans" pitchFamily="34" charset="-52"/>
+              </a:rPr>
+              <a:t>Шаблонная библиотека векторных выражений</a:t>
+            </a:r>
+          </a:p>
+          <a:p>
+            <a:r>
+              <a:rPr lang="ru-RU" sz="2800" dirty="0" smtClean="0">
+                <a:latin typeface="PT Sans" pitchFamily="34" charset="-52"/>
+                <a:ea typeface="PT Sans" pitchFamily="34" charset="-52"/>
+              </a:rPr>
+              <a:t>Предназначена для облегчения разработки кода с и</a:t>
+            </a:r>
+            <a:r>
               <a:rPr lang="ru-RU" sz="2800" dirty="0">
                 <a:latin typeface="PT Sans" pitchFamily="34" charset="-52"/>
                 <a:ea typeface="PT Sans" pitchFamily="34" charset="-52"/>
               </a:rPr>
-              <a:t>Поставить </a:t>
-            </a:r>
-            <a:r>
-              <a:rPr lang="en-GB" sz="2800" dirty="0">
-                <a:latin typeface="PT Sans" pitchFamily="34" charset="-52"/>
-                <a:ea typeface="PT Sans" pitchFamily="34" charset="-52"/>
-              </a:rPr>
-              <a:t>boost (</a:t>
+              <a:t>с</a:t>
+            </a:r>
+            <a:r>
+              <a:rPr lang="ru-RU" sz="2800" dirty="0" smtClean="0">
+                <a:latin typeface="PT Sans" pitchFamily="34" charset="-52"/>
+                <a:ea typeface="PT Sans" pitchFamily="34" charset="-52"/>
+              </a:rPr>
+              <a:t>пользованием </a:t>
+            </a:r>
+            <a:r>
+              <a:rPr lang="en-US" sz="2800" dirty="0" smtClean="0">
+                <a:latin typeface="PT Sans" pitchFamily="34" charset="-52"/>
+                <a:ea typeface="PT Sans" pitchFamily="34" charset="-52"/>
+              </a:rPr>
+              <a:t>GPU</a:t>
+            </a:r>
+            <a:endParaRPr lang="ru-RU" sz="2800" dirty="0" smtClean="0">
+              <a:latin typeface="PT Sans" pitchFamily="34" charset="-52"/>
+              <a:ea typeface="PT Sans" pitchFamily="34" charset="-52"/>
+            </a:endParaRPr>
+          </a:p>
+          <a:p>
+            <a:r>
+              <a:rPr lang="ru-RU" sz="2800" dirty="0" smtClean="0">
+                <a:latin typeface="PT Sans" pitchFamily="34" charset="-52"/>
+                <a:ea typeface="PT Sans" pitchFamily="34" charset="-52"/>
+              </a:rPr>
+              <a:t>В </a:t>
             </a:r>
             <a:r>
               <a:rPr lang="ru-RU" sz="2800" dirty="0">
                 <a:latin typeface="PT Sans" pitchFamily="34" charset="-52"/>
                 <a:ea typeface="PT Sans" pitchFamily="34" charset="-52"/>
               </a:rPr>
-              <a:t>версия &gt; 1.61</a:t>
+              <a:t>качестве </a:t>
+            </a:r>
+            <a:r>
+              <a:rPr lang="ru-RU" sz="2800" dirty="0" err="1" smtClean="0">
+                <a:latin typeface="PT Sans" pitchFamily="34" charset="-52"/>
+                <a:ea typeface="PT Sans" pitchFamily="34" charset="-52"/>
+              </a:rPr>
+              <a:t>бэкенда</a:t>
             </a:r>
             <a:r>
               <a:rPr lang="ru-RU" sz="2800" dirty="0" smtClean="0">
                 <a:latin typeface="PT Sans" pitchFamily="34" charset="-52"/>
                 <a:ea typeface="PT Sans" pitchFamily="34" charset="-52"/>
               </a:rPr>
-              <a:t>)</a:t>
+              <a:t> используются </a:t>
+            </a:r>
+            <a:r>
+              <a:rPr lang="en-US" sz="2800" dirty="0" err="1" smtClean="0">
+                <a:latin typeface="PT Sans" pitchFamily="34" charset="-52"/>
+                <a:ea typeface="PT Sans" pitchFamily="34" charset="-52"/>
+              </a:rPr>
+              <a:t>OpenCL</a:t>
+            </a:r>
+            <a:r>
+              <a:rPr lang="en-US" sz="2800" dirty="0" smtClean="0">
+                <a:latin typeface="PT Sans" pitchFamily="34" charset="-52"/>
+                <a:ea typeface="PT Sans" pitchFamily="34" charset="-52"/>
+              </a:rPr>
+              <a:t>/CUDA</a:t>
+            </a:r>
+          </a:p>
+          <a:p>
+            <a:r>
+              <a:rPr lang="ru-RU" sz="2800" dirty="0" smtClean="0">
+                <a:latin typeface="PT Sans" pitchFamily="34" charset="-52"/>
+                <a:ea typeface="PT Sans" pitchFamily="34" charset="-52"/>
+              </a:rPr>
+              <a:t>Поддержка вычислений на нескольких устройствах и платформах</a:t>
             </a:r>
             <a:endParaRPr lang="en-US" sz="2800" dirty="0" smtClean="0">
               <a:latin typeface="PT Sans" pitchFamily="34" charset="-52"/>
               <a:ea typeface="PT Sans" pitchFamily="34" charset="-52"/>
             </a:endParaRPr>
           </a:p>
-          <a:p>
-            <a:r>
-              <a:rPr lang="ru-RU" sz="2800" dirty="0">
-                <a:latin typeface="PT Sans" pitchFamily="34" charset="-52"/>
-                <a:ea typeface="PT Sans" pitchFamily="34" charset="-52"/>
-              </a:rPr>
-              <a:t>Скачать </a:t>
-            </a:r>
-            <a:r>
-              <a:rPr lang="en-GB" sz="2800" dirty="0" err="1">
-                <a:latin typeface="PT Sans" pitchFamily="34" charset="-52"/>
-                <a:ea typeface="PT Sans" pitchFamily="34" charset="-52"/>
-                <a:hlinkClick r:id="rId2"/>
-              </a:rPr>
-              <a:t>VexCL</a:t>
-            </a:r>
-            <a:endParaRPr lang="ru-RU" sz="2800" dirty="0">
-              <a:latin typeface="PT Sans" pitchFamily="34" charset="-52"/>
-              <a:ea typeface="PT Sans" pitchFamily="34" charset="-52"/>
-            </a:endParaRPr>
-          </a:p>
-          <a:p>
-            <a:r>
-              <a:rPr lang="ru-RU" sz="2800" dirty="0">
-                <a:latin typeface="PT Sans" pitchFamily="34" charset="-52"/>
-                <a:ea typeface="PT Sans" pitchFamily="34" charset="-52"/>
-              </a:rPr>
-              <a:t>Сконфигурировать </a:t>
-            </a:r>
-            <a:r>
-              <a:rPr lang="en-GB" sz="2800" dirty="0" err="1" smtClean="0">
-                <a:latin typeface="PT Sans" pitchFamily="34" charset="-52"/>
-                <a:ea typeface="PT Sans" pitchFamily="34" charset="-52"/>
-              </a:rPr>
-              <a:t>VexCL</a:t>
-            </a:r>
-            <a:endParaRPr lang="ru-RU" sz="2800" dirty="0" smtClean="0">
-              <a:latin typeface="PT Sans" pitchFamily="34" charset="-52"/>
-              <a:ea typeface="PT Sans" pitchFamily="34" charset="-52"/>
-            </a:endParaRPr>
-          </a:p>
-          <a:p>
-            <a:pPr lvl="1"/>
-            <a:r>
-              <a:rPr lang="en-GB" sz="2400" dirty="0">
-                <a:latin typeface="PT Sans" pitchFamily="34" charset="-52"/>
-                <a:ea typeface="PT Sans" pitchFamily="34" charset="-52"/>
-              </a:rPr>
-              <a:t>cd /</a:t>
-            </a:r>
-            <a:r>
-              <a:rPr lang="en-GB" sz="2400" dirty="0" err="1" smtClean="0">
-                <a:latin typeface="PT Sans" pitchFamily="34" charset="-52"/>
-                <a:ea typeface="PT Sans" pitchFamily="34" charset="-52"/>
-              </a:rPr>
-              <a:t>path_to_vexcl</a:t>
-            </a:r>
-            <a:r>
-              <a:rPr lang="ru-RU" sz="2400" dirty="0" smtClean="0">
-                <a:latin typeface="PT Sans" pitchFamily="34" charset="-52"/>
-                <a:ea typeface="PT Sans" pitchFamily="34" charset="-52"/>
-              </a:rPr>
-              <a:t>_</a:t>
-            </a:r>
-            <a:r>
-              <a:rPr lang="en-US" sz="2400" dirty="0" smtClean="0">
-                <a:latin typeface="PT Sans" pitchFamily="34" charset="-52"/>
-                <a:ea typeface="PT Sans" pitchFamily="34" charset="-52"/>
-              </a:rPr>
-              <a:t>directory</a:t>
-            </a:r>
-            <a:r>
-              <a:rPr lang="en-GB" sz="2400" dirty="0" smtClean="0">
-                <a:latin typeface="PT Sans" pitchFamily="34" charset="-52"/>
-                <a:ea typeface="PT Sans" pitchFamily="34" charset="-52"/>
-              </a:rPr>
-              <a:t>/</a:t>
-            </a:r>
-          </a:p>
-          <a:p>
-            <a:pPr lvl="1"/>
-            <a:r>
-              <a:rPr lang="en-GB" sz="2400" dirty="0" err="1">
-                <a:latin typeface="PT Sans" pitchFamily="34" charset="-52"/>
-                <a:ea typeface="PT Sans" pitchFamily="34" charset="-52"/>
-              </a:rPr>
-              <a:t>cmake</a:t>
-            </a:r>
-            <a:r>
-              <a:rPr lang="en-GB" sz="2400" dirty="0">
-                <a:latin typeface="PT Sans" pitchFamily="34" charset="-52"/>
-                <a:ea typeface="PT Sans" pitchFamily="34" charset="-52"/>
-              </a:rPr>
-              <a:t> . </a:t>
-            </a:r>
-            <a:r>
-              <a:rPr lang="en-GB" sz="2400" dirty="0" smtClean="0">
-                <a:latin typeface="PT Sans" pitchFamily="34" charset="-52"/>
-                <a:ea typeface="PT Sans" pitchFamily="34" charset="-52"/>
-              </a:rPr>
-              <a:t>-</a:t>
-            </a:r>
-            <a:r>
-              <a:rPr lang="en-GB" sz="2400" dirty="0" err="1" smtClean="0">
-                <a:latin typeface="PT Sans" pitchFamily="34" charset="-52"/>
-                <a:ea typeface="PT Sans" pitchFamily="34" charset="-52"/>
-              </a:rPr>
-              <a:t>Bbuild</a:t>
-            </a:r>
-            <a:endParaRPr lang="en-GB" sz="2400" dirty="0" smtClean="0">
-              <a:latin typeface="PT Sans" pitchFamily="34" charset="-52"/>
-              <a:ea typeface="PT Sans" pitchFamily="34" charset="-52"/>
-            </a:endParaRPr>
-          </a:p>
         </p:txBody>
       </p:sp>
     </p:spTree>
     <p:extLst>
       <p:ext uri="{BB962C8B-B14F-4D97-AF65-F5344CB8AC3E}">
-        <p14:creationId xmlns:p14="http://schemas.microsoft.com/office/powerpoint/2010/main" val="4108920810"/>
+        <p14:creationId xmlns:p14="http://schemas.microsoft.com/office/powerpoint/2010/main" val="2357458367"/>
       </p:ext>
     </p:extLst>
   </p:cSld>
@@ -5429,172 +5467,63 @@
           <a:lstStyle/>
           <a:p>
             <a:r>
-              <a:rPr lang="en-GB" sz="2800" dirty="0">
-                <a:latin typeface="PT Sans" pitchFamily="34" charset="-52"/>
-                <a:ea typeface="PT Sans" pitchFamily="34" charset="-52"/>
-              </a:rPr>
-              <a:t>cd /</a:t>
-            </a:r>
-            <a:r>
-              <a:rPr lang="en-GB" sz="2800" dirty="0" err="1">
-                <a:latin typeface="PT Sans" pitchFamily="34" charset="-52"/>
-                <a:ea typeface="PT Sans" pitchFamily="34" charset="-52"/>
-              </a:rPr>
-              <a:t>path_to_code_directory</a:t>
-            </a:r>
-            <a:r>
-              <a:rPr lang="en-GB" sz="2800" dirty="0">
-                <a:latin typeface="PT Sans" pitchFamily="34" charset="-52"/>
-                <a:ea typeface="PT Sans" pitchFamily="34" charset="-52"/>
-              </a:rPr>
-              <a:t>/</a:t>
-            </a:r>
-          </a:p>
-          <a:p>
-            <a:r>
-              <a:rPr lang="ru-RU" sz="2800" dirty="0">
-                <a:latin typeface="PT Sans" pitchFamily="34" charset="-52"/>
-                <a:ea typeface="PT Sans" pitchFamily="34" charset="-52"/>
-              </a:rPr>
-              <a:t>Создать код с использованием </a:t>
-            </a:r>
-            <a:r>
-              <a:rPr lang="ru-RU" sz="2800" dirty="0" err="1">
-                <a:latin typeface="PT Sans" pitchFamily="34" charset="-52"/>
-                <a:ea typeface="PT Sans" pitchFamily="34" charset="-52"/>
-              </a:rPr>
-              <a:t>VexCL</a:t>
-            </a:r>
-            <a:endParaRPr lang="en-US" sz="2800" dirty="0">
+              <a:rPr lang="ru-RU" sz="2800" dirty="0" smtClean="0">
+                <a:latin typeface="PT Sans" pitchFamily="34" charset="-52"/>
+                <a:ea typeface="PT Sans" pitchFamily="34" charset="-52"/>
+              </a:rPr>
+              <a:t>Библиотека предоставляет </a:t>
+            </a:r>
+            <a:r>
+              <a:rPr lang="en-US" sz="2800" dirty="0" smtClean="0">
+                <a:latin typeface="PT Sans" pitchFamily="34" charset="-52"/>
+                <a:ea typeface="PT Sans" pitchFamily="34" charset="-52"/>
+              </a:rPr>
+              <a:t>STL-</a:t>
+            </a:r>
+            <a:r>
+              <a:rPr lang="ru-RU" sz="2800" dirty="0" smtClean="0">
+                <a:latin typeface="PT Sans" pitchFamily="34" charset="-52"/>
+                <a:ea typeface="PT Sans" pitchFamily="34" charset="-52"/>
+              </a:rPr>
+              <a:t>подобный интерфейс для работы с контейнерами и </a:t>
+            </a:r>
+            <a:r>
+              <a:rPr lang="ru-RU" sz="2800" dirty="0" smtClean="0">
+                <a:latin typeface="PT Sans" pitchFamily="34" charset="-52"/>
+                <a:ea typeface="PT Sans" pitchFamily="34" charset="-52"/>
+              </a:rPr>
+              <a:t>алгоритмами</a:t>
+            </a:r>
+          </a:p>
+          <a:p>
+            <a:r>
+              <a:rPr lang="ru-RU" sz="2800" dirty="0" smtClean="0">
+                <a:latin typeface="PT Sans" pitchFamily="34" charset="-52"/>
+                <a:ea typeface="PT Sans" pitchFamily="34" charset="-52"/>
+                <a:hlinkClick r:id="rId2"/>
+              </a:rPr>
+              <a:t>Документация библиотеки</a:t>
+            </a:r>
+            <a:endParaRPr lang="ru-RU" sz="2800" dirty="0" smtClean="0">
               <a:latin typeface="PT Sans" pitchFamily="34" charset="-52"/>
               <a:ea typeface="PT Sans" pitchFamily="34" charset="-52"/>
             </a:endParaRPr>
           </a:p>
           <a:p>
-            <a:r>
-              <a:rPr lang="ru-RU" sz="2800" dirty="0">
-                <a:latin typeface="PT Sans" pitchFamily="34" charset="-52"/>
-                <a:ea typeface="PT Sans" pitchFamily="34" charset="-52"/>
-              </a:rPr>
-              <a:t>Создать </a:t>
-            </a:r>
-            <a:r>
-              <a:rPr lang="en-GB" sz="2800" dirty="0">
-                <a:latin typeface="PT Sans" pitchFamily="34" charset="-52"/>
-                <a:ea typeface="PT Sans" pitchFamily="34" charset="-52"/>
-              </a:rPr>
-              <a:t>CMakeLists.txt </a:t>
-            </a:r>
-            <a:r>
-              <a:rPr lang="ru-RU" sz="2800" dirty="0">
-                <a:latin typeface="PT Sans" pitchFamily="34" charset="-52"/>
-                <a:ea typeface="PT Sans" pitchFamily="34" charset="-52"/>
-              </a:rPr>
-              <a:t>по </a:t>
-            </a:r>
-            <a:r>
-              <a:rPr lang="ru-RU" sz="2800" dirty="0" smtClean="0">
-                <a:latin typeface="PT Sans" pitchFamily="34" charset="-52"/>
-                <a:ea typeface="PT Sans" pitchFamily="34" charset="-52"/>
-              </a:rPr>
-              <a:t>образцу</a:t>
-            </a:r>
-            <a:endParaRPr lang="en-US" sz="2800" dirty="0" smtClean="0">
+            <a:pPr marL="109728" indent="0">
+              <a:buNone/>
+            </a:pPr>
+            <a:endParaRPr lang="ru-RU" sz="2800" dirty="0">
               <a:latin typeface="PT Sans" pitchFamily="34" charset="-52"/>
               <a:ea typeface="PT Sans" pitchFamily="34" charset="-52"/>
             </a:endParaRPr>
           </a:p>
-          <a:p>
-            <a:r>
-              <a:rPr lang="ru-RU" sz="2800" dirty="0">
-                <a:latin typeface="PT Sans" pitchFamily="34" charset="-52"/>
-                <a:ea typeface="PT Sans" pitchFamily="34" charset="-52"/>
-              </a:rPr>
-              <a:t>Собрать свой </a:t>
-            </a:r>
-            <a:r>
-              <a:rPr lang="ru-RU" sz="2800" dirty="0" smtClean="0">
-                <a:latin typeface="PT Sans" pitchFamily="34" charset="-52"/>
-                <a:ea typeface="PT Sans" pitchFamily="34" charset="-52"/>
-              </a:rPr>
-              <a:t>код</a:t>
-            </a:r>
-            <a:endParaRPr lang="en-US" sz="2800" dirty="0" smtClean="0">
-              <a:latin typeface="PT Sans" pitchFamily="34" charset="-52"/>
-              <a:ea typeface="PT Sans" pitchFamily="34" charset="-52"/>
-            </a:endParaRPr>
-          </a:p>
-          <a:p>
-            <a:pPr lvl="1"/>
-            <a:r>
-              <a:rPr lang="en-US" sz="2400" dirty="0" err="1">
-                <a:latin typeface="PT Sans" pitchFamily="34" charset="-52"/>
-                <a:ea typeface="PT Sans" pitchFamily="34" charset="-52"/>
-              </a:rPr>
-              <a:t>mkdir</a:t>
-            </a:r>
-            <a:r>
-              <a:rPr lang="en-US" sz="2400" dirty="0">
-                <a:latin typeface="PT Sans" pitchFamily="34" charset="-52"/>
-                <a:ea typeface="PT Sans" pitchFamily="34" charset="-52"/>
-              </a:rPr>
-              <a:t> </a:t>
-            </a:r>
-            <a:r>
-              <a:rPr lang="en-US" sz="2400" dirty="0" smtClean="0">
-                <a:latin typeface="PT Sans" pitchFamily="34" charset="-52"/>
-                <a:ea typeface="PT Sans" pitchFamily="34" charset="-52"/>
-              </a:rPr>
-              <a:t>build</a:t>
-            </a:r>
-          </a:p>
-          <a:p>
-            <a:pPr lvl="1"/>
-            <a:r>
-              <a:rPr lang="en-US" sz="2400" dirty="0">
-                <a:latin typeface="PT Sans" pitchFamily="34" charset="-52"/>
-                <a:ea typeface="PT Sans" pitchFamily="34" charset="-52"/>
-              </a:rPr>
-              <a:t>cd </a:t>
-            </a:r>
-            <a:r>
-              <a:rPr lang="en-US" sz="2400" dirty="0" smtClean="0">
-                <a:latin typeface="PT Sans" pitchFamily="34" charset="-52"/>
-                <a:ea typeface="PT Sans" pitchFamily="34" charset="-52"/>
-              </a:rPr>
-              <a:t>build</a:t>
-            </a:r>
-          </a:p>
-          <a:p>
-            <a:pPr lvl="1"/>
-            <a:r>
-              <a:rPr lang="en-US" sz="2400" dirty="0" err="1">
-                <a:latin typeface="PT Sans" pitchFamily="34" charset="-52"/>
-                <a:ea typeface="PT Sans" pitchFamily="34" charset="-52"/>
-              </a:rPr>
-              <a:t>cmake</a:t>
-            </a:r>
-            <a:r>
-              <a:rPr lang="en-US" sz="2400" dirty="0">
-                <a:latin typeface="PT Sans" pitchFamily="34" charset="-52"/>
-                <a:ea typeface="PT Sans" pitchFamily="34" charset="-52"/>
-              </a:rPr>
-              <a:t> </a:t>
-            </a:r>
-            <a:r>
-              <a:rPr lang="en-US" sz="2400" dirty="0" smtClean="0">
-                <a:latin typeface="PT Sans" pitchFamily="34" charset="-52"/>
-                <a:ea typeface="PT Sans" pitchFamily="34" charset="-52"/>
-              </a:rPr>
-              <a:t>..</a:t>
-            </a:r>
-          </a:p>
         </p:txBody>
       </p:sp>
     </p:spTree>
     <p:extLst>
       <p:ext uri="{BB962C8B-B14F-4D97-AF65-F5344CB8AC3E}">
-        <p14:creationId xmlns:p14="http://schemas.microsoft.com/office/powerpoint/2010/main" val="2704879853"/>
+        <p14:creationId xmlns:p14="http://schemas.microsoft.com/office/powerpoint/2010/main" val="2793481323"/>
       </p:ext>
     </p:extLst>
   </p:cSld>
@@ -5653,7 +5582,7 @@
           <a:lstStyle/>
           <a:p>
             <a:r>
-              <a:rPr lang="en-US" sz="4000" dirty="0" err="1">
+              <a:rPr lang="en-US" sz="4000" dirty="0" err="1" smtClean="0">
                 <a:latin typeface="PT Sans" pitchFamily="34" charset="-52"/>
                 <a:ea typeface="PT Sans" pitchFamily="34" charset="-52"/>
               </a:rPr>
@@ -5684,37 +5613,158 @@
           <a:lstStyle/>
           <a:p>
             <a:r>
+              <a:rPr lang="ru-RU" sz="2800" dirty="0">
+                <a:latin typeface="PT Sans" pitchFamily="34" charset="-52"/>
+                <a:ea typeface="PT Sans" pitchFamily="34" charset="-52"/>
+              </a:rPr>
+              <a:t>Поставить </a:t>
+            </a:r>
+            <a:r>
+              <a:rPr lang="en-GB" sz="2800" dirty="0">
+                <a:latin typeface="PT Sans" pitchFamily="34" charset="-52"/>
+                <a:ea typeface="PT Sans" pitchFamily="34" charset="-52"/>
+              </a:rPr>
+              <a:t>boost (</a:t>
+            </a:r>
+            <a:r>
+              <a:rPr lang="ru-RU" sz="2800" dirty="0">
+                <a:latin typeface="PT Sans" pitchFamily="34" charset="-52"/>
+                <a:ea typeface="PT Sans" pitchFamily="34" charset="-52"/>
+              </a:rPr>
+              <a:t>версия &gt; 1.61</a:t>
+            </a:r>
+            <a:r>
               <a:rPr lang="ru-RU" sz="2800" dirty="0" smtClean="0">
                 <a:latin typeface="PT Sans" pitchFamily="34" charset="-52"/>
                 <a:ea typeface="PT Sans" pitchFamily="34" charset="-52"/>
               </a:rPr>
-              <a:t>Пример: получение списка </a:t>
-            </a:r>
-            <a:r>
-              <a:rPr lang="en-US" sz="2800" dirty="0" smtClean="0">
-                <a:latin typeface="PT Sans" pitchFamily="34" charset="-52"/>
-                <a:ea typeface="PT Sans" pitchFamily="34" charset="-52"/>
-              </a:rPr>
-              <a:t>GPU </a:t>
-            </a:r>
-            <a:r>
-              <a:rPr lang="ru-RU" sz="2800" dirty="0" smtClean="0">
-                <a:latin typeface="PT Sans" pitchFamily="34" charset="-52"/>
-                <a:ea typeface="PT Sans" pitchFamily="34" charset="-52"/>
-              </a:rPr>
-              <a:t>поддерживающих вычисления в двойной точностью и включение их в текущий контекст</a:t>
-            </a:r>
-            <a:endParaRPr lang="en-US" sz="2800" dirty="0">
+              <a:t>)</a:t>
+            </a:r>
+            <a:endParaRPr lang="en-US" sz="2800" dirty="0" smtClean="0">
               <a:latin typeface="PT Sans" pitchFamily="34" charset="-52"/>
               <a:ea typeface="PT Sans" pitchFamily="34" charset="-52"/>
             </a:endParaRPr>
           </a:p>
+          <a:p>
+            <a:r>
+              <a:rPr lang="ru-RU" sz="2800" dirty="0">
+                <a:latin typeface="PT Sans" pitchFamily="34" charset="-52"/>
+                <a:ea typeface="PT Sans" pitchFamily="34" charset="-52"/>
+              </a:rPr>
+              <a:t>Скачать </a:t>
+            </a:r>
+            <a:r>
+              <a:rPr lang="en-GB" sz="2800" dirty="0" err="1">
+                <a:latin typeface="PT Sans" pitchFamily="34" charset="-52"/>
+                <a:ea typeface="PT Sans" pitchFamily="34" charset="-52"/>
+                <a:hlinkClick r:id="rId2"/>
+              </a:rPr>
+              <a:t>VexCL</a:t>
+            </a:r>
+            <a:endParaRPr lang="ru-RU" sz="2800" dirty="0">
+              <a:latin typeface="PT Sans" pitchFamily="34" charset="-52"/>
+              <a:ea typeface="PT Sans" pitchFamily="34" charset="-52"/>
+            </a:endParaRPr>
+          </a:p>
+          <a:p>
+            <a:r>
+              <a:rPr lang="ru-RU" sz="2800" dirty="0">
+                <a:latin typeface="PT Sans" pitchFamily="34" charset="-52"/>
+                <a:ea typeface="PT Sans" pitchFamily="34" charset="-52"/>
+              </a:rPr>
+              <a:t>Сконфигурировать </a:t>
+            </a:r>
+            <a:r>
+              <a:rPr lang="en-GB" sz="2800" dirty="0" err="1" smtClean="0">
+                <a:latin typeface="PT Sans" pitchFamily="34" charset="-52"/>
+                <a:ea typeface="PT Sans" pitchFamily="34" charset="-52"/>
+              </a:rPr>
+              <a:t>VexCL</a:t>
+            </a:r>
+            <a:endParaRPr lang="ru-RU" sz="2800" dirty="0" smtClean="0">
+              <a:latin typeface="PT Sans" pitchFamily="34" charset="-52"/>
+              <a:ea typeface="PT Sans" pitchFamily="34" charset="-52"/>
+            </a:endParaRPr>
+          </a:p>
+          <a:p>
+            <a:pPr lvl="1"/>
+            <a:r>
+              <a:rPr lang="en-GB" sz="2400" dirty="0">
+                <a:latin typeface="PT Sans" pitchFamily="34" charset="-52"/>
+                <a:ea typeface="PT Sans" pitchFamily="34" charset="-52"/>
+              </a:rPr>
+              <a:t>cd /</a:t>
+            </a:r>
+            <a:r>
+              <a:rPr lang="en-GB" sz="2400" dirty="0" err="1" smtClean="0">
+                <a:latin typeface="PT Sans" pitchFamily="34" charset="-52"/>
+                <a:ea typeface="PT Sans" pitchFamily="34" charset="-52"/>
+              </a:rPr>
+              <a:t>path_to_vexcl</a:t>
+            </a:r>
+            <a:r>
+              <a:rPr lang="ru-RU" sz="2400" dirty="0" smtClean="0">
+                <a:latin typeface="PT Sans" pitchFamily="34" charset="-52"/>
+                <a:ea typeface="PT Sans" pitchFamily="34" charset="-52"/>
+              </a:rPr>
+              <a:t>_</a:t>
+            </a:r>
+            <a:r>
+              <a:rPr lang="en-US" sz="2400" dirty="0" smtClean="0">
+                <a:latin typeface="PT Sans" pitchFamily="34" charset="-52"/>
+                <a:ea typeface="PT Sans" pitchFamily="34" charset="-52"/>
+              </a:rPr>
+              <a:t>directory</a:t>
+            </a:r>
+            <a:r>
+              <a:rPr lang="en-GB" sz="2400" dirty="0" smtClean="0">
+                <a:latin typeface="PT Sans" pitchFamily="34" charset="-52"/>
+                <a:ea typeface="PT Sans" pitchFamily="34" charset="-52"/>
+              </a:rPr>
+              <a:t>/</a:t>
+            </a:r>
+          </a:p>
+          <a:p>
+            <a:pPr lvl="1"/>
+            <a:r>
+              <a:rPr lang="en-GB" sz="2400" dirty="0" err="1">
+                <a:latin typeface="PT Sans" pitchFamily="34" charset="-52"/>
+                <a:ea typeface="PT Sans" pitchFamily="34" charset="-52"/>
+              </a:rPr>
+              <a:t>cmake</a:t>
+            </a:r>
+            <a:r>
+              <a:rPr lang="en-GB" sz="2400" dirty="0">
+                <a:latin typeface="PT Sans" pitchFamily="34" charset="-52"/>
+                <a:ea typeface="PT Sans" pitchFamily="34" charset="-52"/>
+              </a:rPr>
+              <a:t> . </a:t>
+            </a:r>
+            <a:r>
+              <a:rPr lang="en-GB" sz="2400" dirty="0" smtClean="0">
+                <a:latin typeface="PT Sans" pitchFamily="34" charset="-52"/>
+                <a:ea typeface="PT Sans" pitchFamily="34" charset="-52"/>
+              </a:rPr>
+              <a:t>-</a:t>
+            </a:r>
+            <a:r>
+              <a:rPr lang="en-GB" sz="2400" dirty="0" err="1" smtClean="0">
+                <a:latin typeface="PT Sans" pitchFamily="34" charset="-52"/>
+                <a:ea typeface="PT Sans" pitchFamily="34" charset="-52"/>
+              </a:rPr>
+              <a:t>Bbuild</a:t>
+            </a:r>
+            <a:endParaRPr lang="en-GB" sz="2400" dirty="0" smtClean="0">
+              <a:latin typeface="PT Sans" pitchFamily="34" charset="-52"/>
+              <a:ea typeface="PT Sans" pitchFamily="34" charset="-52"/>
+            </a:endParaRPr>
+          </a:p>
         </p:txBody>
       </p:sp>
     </p:spTree>
     <p:extLst>
       <p:ext uri="{BB962C8B-B14F-4D97-AF65-F5344CB8AC3E}">
-        <p14:creationId xmlns:p14="http://schemas.microsoft.com/office/powerpoint/2010/main" val="748496263"/>
+        <p14:creationId xmlns:p14="http://schemas.microsoft.com/office/powerpoint/2010/main" val="4108920810"/>
       </p:ext>
     </p:extLst>
   </p:cSld>
@@ -5804,52 +5854,186 @@
           <a:lstStyle/>
           <a:p>
             <a:r>
+              <a:rPr lang="en-GB" sz="2800" dirty="0">
+                <a:latin typeface="PT Sans" pitchFamily="34" charset="-52"/>
+                <a:ea typeface="PT Sans" pitchFamily="34" charset="-52"/>
+              </a:rPr>
+              <a:t>cd /</a:t>
+            </a:r>
+            <a:r>
+              <a:rPr lang="en-GB" sz="2800" dirty="0" err="1">
+                <a:latin typeface="PT Sans" pitchFamily="34" charset="-52"/>
+                <a:ea typeface="PT Sans" pitchFamily="34" charset="-52"/>
+              </a:rPr>
+              <a:t>path_to_code_directory</a:t>
+            </a:r>
+            <a:r>
+              <a:rPr lang="en-GB" sz="2800" dirty="0">
+                <a:latin typeface="PT Sans" pitchFamily="34" charset="-52"/>
+                <a:ea typeface="PT Sans" pitchFamily="34" charset="-52"/>
+              </a:rPr>
+              <a:t>/</a:t>
+            </a:r>
+          </a:p>
+          <a:p>
+            <a:r>
+              <a:rPr lang="ru-RU" sz="2800" dirty="0">
+                <a:latin typeface="PT Sans" pitchFamily="34" charset="-52"/>
+                <a:ea typeface="PT Sans" pitchFamily="34" charset="-52"/>
+              </a:rPr>
+              <a:t>Создать код с использованием </a:t>
+            </a:r>
+            <a:r>
+              <a:rPr lang="ru-RU" sz="2800" dirty="0" err="1">
+                <a:latin typeface="PT Sans" pitchFamily="34" charset="-52"/>
+                <a:ea typeface="PT Sans" pitchFamily="34" charset="-52"/>
+              </a:rPr>
+              <a:t>VexCL</a:t>
+            </a:r>
+            <a:endParaRPr lang="en-US" sz="2800" dirty="0">
+              <a:latin typeface="PT Sans" pitchFamily="34" charset="-52"/>
+              <a:ea typeface="PT Sans" pitchFamily="34" charset="-52"/>
+            </a:endParaRPr>
+          </a:p>
+          <a:p>
+            <a:r>
+              <a:rPr lang="ru-RU" sz="2800" dirty="0">
+                <a:latin typeface="PT Sans" pitchFamily="34" charset="-52"/>
+                <a:ea typeface="PT Sans" pitchFamily="34" charset="-52"/>
+              </a:rPr>
+              <a:t>Создать </a:t>
+            </a:r>
+            <a:r>
+              <a:rPr lang="en-GB" sz="2800" dirty="0">
+                <a:latin typeface="PT Sans" pitchFamily="34" charset="-52"/>
+                <a:ea typeface="PT Sans" pitchFamily="34" charset="-52"/>
+              </a:rPr>
+              <a:t>CMakeLists.txt </a:t>
+            </a:r>
+            <a:r>
+              <a:rPr lang="ru-RU" sz="2800" dirty="0">
+                <a:latin typeface="PT Sans" pitchFamily="34" charset="-52"/>
+                <a:ea typeface="PT Sans" pitchFamily="34" charset="-52"/>
+              </a:rPr>
+              <a:t>по </a:t>
+            </a:r>
+            <a:r>
               <a:rPr lang="ru-RU" sz="2800" dirty="0" smtClean="0">
                 <a:latin typeface="PT Sans" pitchFamily="34" charset="-52"/>
                 <a:ea typeface="PT Sans" pitchFamily="34" charset="-52"/>
               </a:rPr>
-              <a:t>Основной фокус библиотеки – операции над векторами</a:t>
-            </a:r>
-          </a:p>
-          <a:p>
-            <a:pPr lvl="1"/>
-            <a:r>
-              <a:rPr lang="ru-RU" sz="2400" dirty="0" smtClean="0">
-                <a:latin typeface="PT Sans" pitchFamily="34" charset="-52"/>
-                <a:ea typeface="PT Sans" pitchFamily="34" charset="-52"/>
-              </a:rPr>
-              <a:t>Векторы должны иметь одинаковый размер</a:t>
-            </a:r>
-          </a:p>
-          <a:p>
-            <a:pPr lvl="1"/>
-            <a:r>
-              <a:rPr lang="ru-RU" sz="2400" dirty="0" smtClean="0">
-                <a:latin typeface="PT Sans" pitchFamily="34" charset="-52"/>
-                <a:ea typeface="PT Sans" pitchFamily="34" charset="-52"/>
-              </a:rPr>
-              <a:t>Должны размещаться в памяти одного и того же устройства</a:t>
-            </a:r>
-          </a:p>
-          <a:p>
-            <a:r>
-              <a:rPr lang="ru-RU" sz="2800" dirty="0" smtClean="0">
-                <a:latin typeface="PT Sans" pitchFamily="34" charset="-52"/>
-                <a:ea typeface="PT Sans" pitchFamily="34" charset="-52"/>
-              </a:rPr>
-              <a:t>Каждая операция над векторами приводит к запуску вычислительного ядра</a:t>
+              <a:t>образцу</a:t>
             </a:r>
             <a:endParaRPr lang="en-US" sz="2800" dirty="0" smtClean="0">
               <a:latin typeface="PT Sans" pitchFamily="34" charset="-52"/>
               <a:ea typeface="PT Sans" pitchFamily="34" charset="-52"/>
             </a:endParaRPr>
           </a:p>
+          <a:p>
+            <a:r>
+              <a:rPr lang="ru-RU" sz="2800" dirty="0">
+                <a:latin typeface="PT Sans" pitchFamily="34" charset="-52"/>
+                <a:ea typeface="PT Sans" pitchFamily="34" charset="-52"/>
+              </a:rPr>
+              <a:t>Собрать свой </a:t>
+            </a:r>
+            <a:r>
+              <a:rPr lang="ru-RU" sz="2800" dirty="0" smtClean="0">
+                <a:latin typeface="PT Sans" pitchFamily="34" charset="-52"/>
+                <a:ea typeface="PT Sans" pitchFamily="34" charset="-52"/>
+              </a:rPr>
+              <a:t>код</a:t>
+            </a:r>
+            <a:endParaRPr lang="en-US" sz="2800" dirty="0" smtClean="0">
+              <a:latin typeface="PT Sans" pitchFamily="34" charset="-52"/>
+              <a:ea typeface="PT Sans" pitchFamily="34" charset="-52"/>
+            </a:endParaRPr>
+          </a:p>
+          <a:p>
+            <a:pPr lvl="1"/>
+            <a:r>
+              <a:rPr lang="en-US" sz="2400" dirty="0" err="1">
+                <a:latin typeface="PT Sans" pitchFamily="34" charset="-52"/>
+                <a:ea typeface="PT Sans" pitchFamily="34" charset="-52"/>
+              </a:rPr>
+              <a:t>mkdir</a:t>
+            </a:r>
+            <a:r>
+              <a:rPr lang="en-US" sz="2400" dirty="0">
+                <a:latin typeface="PT Sans" pitchFamily="34" charset="-52"/>
+                <a:ea typeface="PT Sans" pitchFamily="34" charset="-52"/>
+              </a:rPr>
+              <a:t> </a:t>
+            </a:r>
+            <a:r>
+              <a:rPr lang="en-US" sz="2400" dirty="0" smtClean="0">
+                <a:latin typeface="PT Sans" pitchFamily="34" charset="-52"/>
+                <a:ea typeface="PT Sans" pitchFamily="34" charset="-52"/>
+              </a:rPr>
+              <a:t>build</a:t>
+            </a:r>
+          </a:p>
+          <a:p>
+            <a:pPr lvl="1"/>
+            <a:r>
+              <a:rPr lang="en-US" sz="2400" dirty="0">
+                <a:latin typeface="PT Sans" pitchFamily="34" charset="-52"/>
+                <a:ea typeface="PT Sans" pitchFamily="34" charset="-52"/>
+              </a:rPr>
+              <a:t>cd </a:t>
+            </a:r>
+            <a:r>
+              <a:rPr lang="en-US" sz="2400" dirty="0" smtClean="0">
+                <a:latin typeface="PT Sans" pitchFamily="34" charset="-52"/>
+                <a:ea typeface="PT Sans" pitchFamily="34" charset="-52"/>
+              </a:rPr>
+              <a:t>build</a:t>
+            </a:r>
+          </a:p>
+          <a:p>
+            <a:pPr lvl="1"/>
+            <a:r>
+              <a:rPr lang="en-US" sz="2400" dirty="0" err="1">
+                <a:latin typeface="PT Sans" pitchFamily="34" charset="-52"/>
+                <a:ea typeface="PT Sans" pitchFamily="34" charset="-52"/>
+              </a:rPr>
+              <a:t>cmake</a:t>
+            </a:r>
+            <a:r>
+              <a:rPr lang="en-US" sz="2400" dirty="0">
+                <a:latin typeface="PT Sans" pitchFamily="34" charset="-52"/>
+                <a:ea typeface="PT Sans" pitchFamily="34" charset="-52"/>
+              </a:rPr>
+              <a:t> </a:t>
+            </a:r>
+            <a:r>
+              <a:rPr lang="en-US" sz="2400" dirty="0" smtClean="0">
+                <a:latin typeface="PT Sans" pitchFamily="34" charset="-52"/>
+                <a:ea typeface="PT Sans" pitchFamily="34" charset="-52"/>
+              </a:rPr>
+              <a:t>..</a:t>
+            </a:r>
+          </a:p>
+          <a:p>
+            <a:pPr lvl="1"/>
+            <a:r>
+              <a:rPr lang="en-US" sz="2400" dirty="0" smtClean="0">
+                <a:latin typeface="PT Sans" pitchFamily="34" charset="-52"/>
+                <a:ea typeface="PT Sans" pitchFamily="34" charset="-52"/>
+              </a:rPr>
+              <a:t>make</a:t>
+            </a:r>
+            <a:endParaRPr lang="en-US" sz="2400" dirty="0" smtClean="0">
+              <a:latin typeface="PT Sans" pitchFamily="34" charset="-52"/>
+              <a:ea typeface="PT Sans" pitchFamily="34" charset="-52"/>
+            </a:endParaRPr>
+          </a:p>
         </p:txBody>
       </p:sp>
     </p:spTree>
     <p:extLst>
       <p:ext uri="{BB962C8B-B14F-4D97-AF65-F5344CB8AC3E}">
-        <p14:creationId xmlns:p14="http://schemas.microsoft.com/office/powerpoint/2010/main" val="1746622371"/>
+        <p14:creationId xmlns:p14="http://schemas.microsoft.com/office/powerpoint/2010/main" val="2704879853"/>
       </p:ext>
     </p:extLst>
   </p:cSld>
@@ -5939,44 +6123,37 @@
           <a:lstStyle/>
           <a:p>
             <a:r>
-              <a:rPr lang="ru-RU" sz="2800" dirty="0">
-                <a:latin typeface="PT Sans" pitchFamily="34" charset="-52"/>
-                <a:ea typeface="PT Sans" pitchFamily="34" charset="-52"/>
-              </a:rPr>
-              <a:t>Пример </a:t>
-            </a:r>
-            <a:r>
               <a:rPr lang="ru-RU" sz="2800" dirty="0" smtClean="0">
                 <a:latin typeface="PT Sans" pitchFamily="34" charset="-52"/>
                 <a:ea typeface="PT Sans" pitchFamily="34" charset="-52"/>
               </a:rPr>
-              <a:t>сложения векторов</a:t>
-            </a:r>
-          </a:p>
-          <a:p>
+              <a:t>Пример: получение списка </a:t>
+            </a:r>
+            <a:r>
+              <a:rPr lang="en-US" sz="2800" dirty="0" smtClean="0">
+                <a:latin typeface="PT Sans" pitchFamily="34" charset="-52"/>
+                <a:ea typeface="PT Sans" pitchFamily="34" charset="-52"/>
+              </a:rPr>
+              <a:t>GPU </a:t>
+            </a:r>
             <a:r>
               <a:rPr lang="ru-RU" sz="2800" dirty="0" smtClean="0">
                 <a:latin typeface="PT Sans" pitchFamily="34" charset="-52"/>
                 <a:ea typeface="PT Sans" pitchFamily="34" charset="-52"/>
               </a:rPr>
-              <a:t>Пример создания пользовательской функции</a:t>
-            </a:r>
-          </a:p>
-          <a:p>
-            <a:r>
-              <a:rPr lang="ru-RU" sz="2800" dirty="0" smtClean="0">
-                <a:latin typeface="PT Sans" pitchFamily="34" charset="-52"/>
-                <a:ea typeface="PT Sans" pitchFamily="34" charset="-52"/>
-              </a:rPr>
-              <a:t>Пример сортировки</a:t>
-            </a:r>
+              <a:t>поддерживающих вычисления в двойной точностью и включение их в текущий контекст</a:t>
+            </a:r>
+            <a:endParaRPr lang="en-US" sz="2800" dirty="0">
+              <a:latin typeface="PT Sans" pitchFamily="34" charset="-52"/>
+              <a:ea typeface="PT Sans" pitchFamily="34" charset="-52"/>
+            </a:endParaRPr>
           </a:p>
         </p:txBody>
       </p:sp>
     </p:spTree>
     <p:extLst>
       <p:ext uri="{BB962C8B-B14F-4D97-AF65-F5344CB8AC3E}">
-        <p14:creationId xmlns:p14="http://schemas.microsoft.com/office/powerpoint/2010/main" val="891117390"/>
+        <p14:creationId xmlns:p14="http://schemas.microsoft.com/office/powerpoint/2010/main" val="748496263"/>
       </p:ext>
     </p:extLst>
   </p:cSld>
@@ -6012,6 +6189,268 @@
       </p:grpSpPr>
       <p:sp>
         <p:nvSpPr>
+          <p:cNvPr id="10" name="Заголовок 9"/>
+          <p:cNvSpPr>
+            <a:spLocks noGrp="1"/>
+          </p:cNvSpPr>
+          <p:nvPr>
+            <p:ph type="title"/>
+          </p:nvPr>
+        </p:nvSpPr>
+        <p:spPr/>
+        <p:txBody>
+          <a:bodyPr vert="horz" rtlCol="0" anchor="ctr">
+            <a:normAutofit/>
+            <a:scene3d>
+              <a:camera prst="orthographicFront"/>
+              <a:lightRig rig="soft" dir="t"/>
+            </a:scene3d>
+            <a:sp3d prstMaterial="softEdge">
+              <a:bevelT w="25400" h="25400"/>
+            </a:sp3d>
+          </a:bodyPr>
+          <a:lstStyle/>
+          <a:p>
+            <a:r>
+              <a:rPr lang="en-US" sz="4000" dirty="0" err="1" smtClean="0">
+                <a:latin typeface="PT Sans" pitchFamily="34" charset="-52"/>
+                <a:ea typeface="PT Sans" pitchFamily="34" charset="-52"/>
+              </a:rPr>
+              <a:t>VexCL</a:t>
+            </a:r>
+            <a:endParaRPr lang="ru-RU" sz="4000" dirty="0">
+              <a:latin typeface="PT Sans" pitchFamily="34" charset="-52"/>
+              <a:ea typeface="PT Sans" pitchFamily="34" charset="-52"/>
+            </a:endParaRPr>
+          </a:p>
+        </p:txBody>
+      </p:sp>
+      <p:sp>
+        <p:nvSpPr>
+          <p:cNvPr id="13" name="Объект 2"/>
+          <p:cNvSpPr>
+            <a:spLocks noGrp="1"/>
+          </p:cNvSpPr>
+          <p:nvPr>
+            <p:ph idx="1"/>
+          </p:nvPr>
+        </p:nvSpPr>
+        <p:spPr/>
+        <p:txBody>
+          <a:bodyPr vert="horz">
+            <a:normAutofit/>
+          </a:bodyPr>
+          <a:lstStyle/>
+          <a:p>
+            <a:r>
+              <a:rPr lang="ru-RU" sz="2800" dirty="0" smtClean="0">
+                <a:latin typeface="PT Sans" pitchFamily="34" charset="-52"/>
+                <a:ea typeface="PT Sans" pitchFamily="34" charset="-52"/>
+              </a:rPr>
+              <a:t>Основной фокус библиотеки – операции над векторами</a:t>
+            </a:r>
+          </a:p>
+          <a:p>
+            <a:pPr lvl="1"/>
+            <a:r>
+              <a:rPr lang="ru-RU" sz="2400" dirty="0" smtClean="0">
+                <a:latin typeface="PT Sans" pitchFamily="34" charset="-52"/>
+                <a:ea typeface="PT Sans" pitchFamily="34" charset="-52"/>
+              </a:rPr>
+              <a:t>Векторы должны иметь одинаковый размер</a:t>
+            </a:r>
+          </a:p>
+          <a:p>
+            <a:pPr lvl="1"/>
+            <a:r>
+              <a:rPr lang="ru-RU" sz="2400" dirty="0" smtClean="0">
+                <a:latin typeface="PT Sans" pitchFamily="34" charset="-52"/>
+                <a:ea typeface="PT Sans" pitchFamily="34" charset="-52"/>
+              </a:rPr>
+              <a:t>Должны размещаться в памяти одного и того же устройства</a:t>
+            </a:r>
+          </a:p>
+          <a:p>
+            <a:r>
+              <a:rPr lang="ru-RU" sz="2800" dirty="0" smtClean="0">
+                <a:latin typeface="PT Sans" pitchFamily="34" charset="-52"/>
+                <a:ea typeface="PT Sans" pitchFamily="34" charset="-52"/>
+              </a:rPr>
+              <a:t>Каждая операция над векторами приводит к запуску вычислительного ядра</a:t>
+            </a:r>
+            <a:endParaRPr lang="en-US" sz="2800" dirty="0" smtClean="0">
+              <a:latin typeface="PT Sans" pitchFamily="34" charset="-52"/>
+              <a:ea typeface="PT Sans" pitchFamily="34" charset="-52"/>
+            </a:endParaRPr>
+          </a:p>
+        </p:txBody>
+      </p:sp>
+    </p:spTree>
+    <p:extLst>
+      <p:ext uri="{BB962C8B-B14F-4D97-AF65-F5344CB8AC3E}">
+        <p14:creationId xmlns:p14="http://schemas.microsoft.com/office/powerpoint/2010/main" val="1746622371"/>
+      </p:ext>
+    </p:extLst>
+  </p:cSld>
+  <p:clrMapOvr>
+    <a:masterClrMapping/>
+  </p:clrMapOvr>
+  <p:timing>
+    <p:tnLst>
+      <p:par>
+        <p:cTn id="1" dur="indefinite" restart="never" nodeType="tmRoot"/>
+      </p:par>
+    </p:tnLst>
+  </p:timing>
+</p:sld>
+</file>
+
+<file path=ppt/slides/slide16.xml><?xml version="1.0" encoding="utf-8"?>
+<p:sld xmlns:a="http://schemas.openxmlformats.org/drawingml/2006/main" xmlns:r="http://schemas.openxmlformats.org/officeDocument/2006/relationships" xmlns:p="http://schemas.openxmlformats.org/presentationml/2006/main">
+  <p:cSld>
+    <p:spTree>
+      <p:nvGrpSpPr>
+        <p:cNvPr id="1" name=""/>
+        <p:cNvGrpSpPr/>
+        <p:nvPr/>
+      </p:nvGrpSpPr>
+      <p:grpSpPr>
+        <a:xfrm>
+          <a:off x="0" y="0"/>
+          <a:ext cx="0" cy="0"/>
+          <a:chOff x="0" y="0"/>
+          <a:chExt cx="0" cy="0"/>
+        </a:xfrm>
+      </p:grpSpPr>
+      <p:sp>
+        <p:nvSpPr>
+          <p:cNvPr id="10" name="Заголовок 9"/>
+          <p:cNvSpPr>
+            <a:spLocks noGrp="1"/>
+          </p:cNvSpPr>
+          <p:nvPr>
+            <p:ph type="title"/>
+          </p:nvPr>
+        </p:nvSpPr>
+        <p:spPr/>
+        <p:txBody>
+          <a:bodyPr vert="horz" rtlCol="0" anchor="ctr">
+            <a:normAutofit/>
+            <a:scene3d>
+              <a:camera prst="orthographicFront"/>
+              <a:lightRig rig="soft" dir="t"/>
+            </a:scene3d>
+            <a:sp3d prstMaterial="softEdge">
+              <a:bevelT w="25400" h="25400"/>
+            </a:sp3d>
+          </a:bodyPr>
+          <a:lstStyle/>
+          <a:p>
+            <a:r>
+              <a:rPr lang="en-US" sz="4000" dirty="0" err="1">
+                <a:latin typeface="PT Sans" pitchFamily="34" charset="-52"/>
+                <a:ea typeface="PT Sans" pitchFamily="34" charset="-52"/>
+              </a:rPr>
+              <a:t>VexCL</a:t>
+            </a:r>
+            <a:endParaRPr lang="ru-RU" sz="4000" dirty="0">
+              <a:latin typeface="PT Sans" pitchFamily="34" charset="-52"/>
+              <a:ea typeface="PT Sans" pitchFamily="34" charset="-52"/>
+            </a:endParaRPr>
+          </a:p>
+        </p:txBody>
+      </p:sp>
+      <p:sp>
+        <p:nvSpPr>
+          <p:cNvPr id="13" name="Объект 2"/>
+          <p:cNvSpPr>
+            <a:spLocks noGrp="1"/>
+          </p:cNvSpPr>
+          <p:nvPr>
+            <p:ph idx="1"/>
+          </p:nvPr>
+        </p:nvSpPr>
+        <p:spPr/>
+        <p:txBody>
+          <a:bodyPr vert="horz">
+            <a:normAutofit/>
+          </a:bodyPr>
+          <a:lstStyle/>
+          <a:p>
+            <a:r>
+              <a:rPr lang="ru-RU" sz="2800" dirty="0">
+                <a:latin typeface="PT Sans" pitchFamily="34" charset="-52"/>
+                <a:ea typeface="PT Sans" pitchFamily="34" charset="-52"/>
+              </a:rPr>
+              <a:t>Пример </a:t>
+            </a:r>
+            <a:r>
+              <a:rPr lang="ru-RU" sz="2800" dirty="0" smtClean="0">
+                <a:latin typeface="PT Sans" pitchFamily="34" charset="-52"/>
+                <a:ea typeface="PT Sans" pitchFamily="34" charset="-52"/>
+              </a:rPr>
+              <a:t>сложения векторов</a:t>
+            </a:r>
+          </a:p>
+          <a:p>
+            <a:r>
+              <a:rPr lang="ru-RU" sz="2800" dirty="0" smtClean="0">
+                <a:latin typeface="PT Sans" pitchFamily="34" charset="-52"/>
+                <a:ea typeface="PT Sans" pitchFamily="34" charset="-52"/>
+              </a:rPr>
+              <a:t>Пример создания пользовательской функции</a:t>
+            </a:r>
+          </a:p>
+          <a:p>
+            <a:r>
+              <a:rPr lang="ru-RU" sz="2800" dirty="0" smtClean="0">
+                <a:latin typeface="PT Sans" pitchFamily="34" charset="-52"/>
+                <a:ea typeface="PT Sans" pitchFamily="34" charset="-52"/>
+              </a:rPr>
+              <a:t>Пример сортировки</a:t>
+            </a:r>
+          </a:p>
+        </p:txBody>
+      </p:sp>
+    </p:spTree>
+    <p:extLst>
+      <p:ext uri="{BB962C8B-B14F-4D97-AF65-F5344CB8AC3E}">
+        <p14:creationId xmlns:p14="http://schemas.microsoft.com/office/powerpoint/2010/main" val="891117390"/>
+      </p:ext>
+    </p:extLst>
+  </p:cSld>
+  <p:clrMapOvr>
+    <a:masterClrMapping/>
+  </p:clrMapOvr>
+  <p:timing>
+    <p:tnLst>
+      <p:par>
+        <p:cTn id="1" dur="indefinite" restart="never" nodeType="tmRoot"/>
+      </p:par>
+    </p:tnLst>
+  </p:timing>
+</p:sld>
+</file>
+
+<file path=ppt/slides/slide17.xml><?xml version="1.0" encoding="utf-8"?>
+<p:sld xmlns:a="http://schemas.openxmlformats.org/drawingml/2006/main" xmlns:r="http://schemas.openxmlformats.org/officeDocument/2006/relationships" xmlns:p="http://schemas.openxmlformats.org/presentationml/2006/main">
+  <p:cSld>
+    <p:spTree>
+      <p:nvGrpSpPr>
+        <p:cNvPr id="1" name=""/>
+        <p:cNvGrpSpPr/>
+        <p:nvPr/>
+      </p:nvGrpSpPr>
+      <p:grpSpPr>
+        <a:xfrm>
+          <a:off x="0" y="0"/>
+          <a:ext cx="0" cy="0"/>
+          <a:chOff x="0" y="0"/>
+          <a:chExt cx="0" cy="0"/>
+        </a:xfrm>
+      </p:grpSpPr>
+      <p:sp>
+        <p:nvSpPr>
           <p:cNvPr id="2" name="Заголовок 1"/>
           <p:cNvSpPr>
             <a:spLocks noGrp="1"/>
@@ -6074,7 +6513,14 @@
                 <a:latin typeface="PT Sans" pitchFamily="34" charset="-52"/>
                 <a:ea typeface="PT Sans" pitchFamily="34" charset="-52"/>
               </a:rPr>
-              <a:t>Редукция с использованием библиотеки </a:t>
+              <a:t>Редукция с использованием </a:t>
+            </a:r>
+            <a:r>
+              <a:rPr lang="ru-RU" sz="2400" dirty="0" smtClean="0">
+                <a:latin typeface="PT Sans" pitchFamily="34" charset="-52"/>
+                <a:ea typeface="PT Sans" pitchFamily="34" charset="-52"/>
+              </a:rPr>
+              <a:t>библиотеки </a:t>
             </a:r>
             <a:r>
               <a:rPr lang="en-US" sz="2400" dirty="0" err="1" smtClean="0">
@@ -6082,6 +6528,27 @@
                 <a:ea typeface="PT Sans" pitchFamily="34" charset="-52"/>
               </a:rPr>
               <a:t>VexCL</a:t>
+            </a:r>
+            <a:r>
+              <a:rPr lang="en-US" sz="2400" dirty="0" smtClean="0">
+                <a:latin typeface="PT Sans" pitchFamily="34" charset="-52"/>
+                <a:ea typeface="PT Sans" pitchFamily="34" charset="-52"/>
+              </a:rPr>
+              <a:t> </a:t>
+            </a:r>
+            <a:r>
+              <a:rPr lang="ru-RU" sz="2400" dirty="0" smtClean="0">
+                <a:latin typeface="PT Sans" pitchFamily="34" charset="-52"/>
+                <a:ea typeface="PT Sans" pitchFamily="34" charset="-52"/>
+              </a:rPr>
+              <a:t>или </a:t>
+            </a:r>
+            <a:r>
+              <a:rPr lang="en-US" sz="2400" dirty="0" err="1" smtClean="0">
+                <a:latin typeface="PT Sans" pitchFamily="34" charset="-52"/>
+                <a:ea typeface="PT Sans" pitchFamily="34" charset="-52"/>
+              </a:rPr>
+              <a:t>Boost.Compute</a:t>
             </a:r>
             <a:endParaRPr lang="ru-RU" sz="2000" dirty="0" smtClean="0">
               <a:latin typeface="PT Sans" pitchFamily="34" charset="-52"/>
@@ -6158,11 +6625,18 @@
           <a:lstStyle/>
           <a:p>
             <a:r>
+              <a:rPr lang="ru-RU" sz="4000" dirty="0" smtClean="0">
+                <a:latin typeface="PT Sans" pitchFamily="34" charset="-52"/>
+                <a:ea typeface="PT Sans" pitchFamily="34" charset="-52"/>
+              </a:rPr>
+              <a:t>Библиотеки </a:t>
+            </a:r>
+            <a:r>
               <a:rPr lang="en-US" sz="4000" dirty="0" err="1" smtClean="0">
                 <a:latin typeface="PT Sans" pitchFamily="34" charset="-52"/>
                 <a:ea typeface="PT Sans" pitchFamily="34" charset="-52"/>
               </a:rPr>
-              <a:t>Boost.Compute</a:t>
+              <a:t>OpenCL</a:t>
             </a:r>
             <a:endParaRPr lang="ru-RU" sz="4000" dirty="0">
               <a:latin typeface="PT Sans" pitchFamily="34" charset="-52"/>
@@ -6193,88 +6667,43 @@
                 <a:latin typeface="PT Sans" pitchFamily="34" charset="-52"/>
                 <a:ea typeface="PT Sans" pitchFamily="34" charset="-52"/>
               </a:rPr>
-              <a:t>Библиотека предоставляющая С++ интерфейс для работы с многоядерными </a:t>
+              <a:t>Как и для </a:t>
             </a:r>
             <a:r>
               <a:rPr lang="en-US" sz="2800" dirty="0" smtClean="0">
                 <a:latin typeface="PT Sans" pitchFamily="34" charset="-52"/>
                 <a:ea typeface="PT Sans" pitchFamily="34" charset="-52"/>
               </a:rPr>
-              <a:t>CPU </a:t>
+              <a:t>CUDA </a:t>
             </a:r>
             <a:r>
               <a:rPr lang="ru-RU" sz="2800" dirty="0" smtClean="0">
                 <a:latin typeface="PT Sans" pitchFamily="34" charset="-52"/>
                 <a:ea typeface="PT Sans" pitchFamily="34" charset="-52"/>
               </a:rPr>
-              <a:t>и </a:t>
+              <a:t>для </a:t>
+            </a:r>
+            <a:r>
+              <a:rPr lang="en-US" sz="2800" dirty="0" err="1" smtClean="0">
+                <a:latin typeface="PT Sans" pitchFamily="34" charset="-52"/>
+                <a:ea typeface="PT Sans" pitchFamily="34" charset="-52"/>
+              </a:rPr>
+              <a:t>OpenCL</a:t>
             </a:r>
             <a:r>
               <a:rPr lang="en-US" sz="2800" dirty="0" smtClean="0">
                 <a:latin typeface="PT Sans" pitchFamily="34" charset="-52"/>
                 <a:ea typeface="PT Sans" pitchFamily="34" charset="-52"/>
               </a:rPr>
-              <a:t>GPU</a:t>
-            </a:r>
-            <a:endParaRPr lang="ru-RU" sz="2800" dirty="0" smtClean="0">
-              <a:latin typeface="PT Sans" pitchFamily="34" charset="-52"/>
-              <a:ea typeface="PT Sans" pitchFamily="34" charset="-52"/>
-            </a:endParaRPr>
-          </a:p>
-          <a:p>
+              <a:t> </a:t>
+            </a:r>
             <a:r>
               <a:rPr lang="ru-RU" sz="2800" dirty="0" smtClean="0">
                 <a:latin typeface="PT Sans" pitchFamily="34" charset="-52"/>
                 <a:ea typeface="PT Sans" pitchFamily="34" charset="-52"/>
               </a:rPr>
-              <a:t>Основана на </a:t>
-            </a:r>
-            <a:r>
-              <a:rPr lang="en-US" sz="2800" dirty="0" err="1" smtClean="0">
-                <a:latin typeface="PT Sans" pitchFamily="34" charset="-52"/>
-                <a:ea typeface="PT Sans" pitchFamily="34" charset="-52"/>
-              </a:rPr>
-              <a:t>OpenCL</a:t>
-            </a:r>
-            <a:endParaRPr lang="en-US" sz="2800" dirty="0" smtClean="0">
-              <a:latin typeface="PT Sans" pitchFamily="34" charset="-52"/>
-              <a:ea typeface="PT Sans" pitchFamily="34" charset="-52"/>
-            </a:endParaRPr>
-          </a:p>
-          <a:p>
-            <a:r>
-              <a:rPr lang="en-US" sz="2800" dirty="0">
-                <a:latin typeface="PT Sans" pitchFamily="34" charset="-52"/>
-                <a:ea typeface="PT Sans" pitchFamily="34" charset="-52"/>
-                <a:hlinkClick r:id="rId2"/>
-              </a:rPr>
-              <a:t>https://</a:t>
-            </a:r>
-            <a:r>
-              <a:rPr lang="en-US" sz="2800" dirty="0" smtClean="0">
-                <a:latin typeface="PT Sans" pitchFamily="34" charset="-52"/>
-                <a:ea typeface="PT Sans" pitchFamily="34" charset="-52"/>
-                <a:hlinkClick r:id="rId2"/>
-              </a:rPr>
-              <a:t>github.com/boostorg/compute</a:t>
-            </a:r>
-            <a:endParaRPr lang="en-US" sz="2800" dirty="0">
-              <a:latin typeface="PT Sans" pitchFamily="34" charset="-52"/>
-              <a:ea typeface="PT Sans" pitchFamily="34" charset="-52"/>
-            </a:endParaRPr>
-          </a:p>
-          <a:p>
-            <a:r>
-              <a:rPr lang="ru-RU" sz="2800" dirty="0" smtClean="0">
-                <a:latin typeface="PT Sans" pitchFamily="34" charset="-52"/>
-                <a:ea typeface="PT Sans" pitchFamily="34" charset="-52"/>
-              </a:rPr>
-              <a:t>При компиляции кода необходимо указать</a:t>
-            </a:r>
-            <a:endParaRPr lang="en-US" sz="2800" dirty="0" smtClean="0">
-              <a:latin typeface="PT Sans" pitchFamily="34" charset="-52"/>
-              <a:ea typeface="PT Sans" pitchFamily="34" charset="-52"/>
-            </a:endParaRPr>
+              <a:t>существует множество специализированных библиотек</a:t>
+            </a:r>
           </a:p>
           <a:p>
             <a:pPr lvl="1"/>
@@ -6283,28 +6712,14 @@
                 <a:latin typeface="PT Sans" pitchFamily="34" charset="-52"/>
                 <a:ea typeface="PT Sans" pitchFamily="34" charset="-52"/>
               </a:rPr>
-              <a:t>-</a:t>
-            </a:r>
-            <a:r>
-              <a:rPr lang="en-US" sz="2400" dirty="0" smtClean="0">
-                <a:latin typeface="PT Sans" pitchFamily="34" charset="-52"/>
-                <a:ea typeface="PT Sans" pitchFamily="34" charset="-52"/>
-              </a:rPr>
-              <a:t>I/</a:t>
-            </a:r>
-            <a:r>
-              <a:rPr lang="ru-RU" sz="2400" dirty="0" smtClean="0">
-                <a:latin typeface="PT Sans" pitchFamily="34" charset="-52"/>
-                <a:ea typeface="PT Sans" pitchFamily="34" charset="-52"/>
-              </a:rPr>
-              <a:t>путь к папке с </a:t>
-            </a:r>
-            <a:r>
-              <a:rPr lang="en-US" sz="2400" dirty="0" smtClean="0">
-                <a:latin typeface="PT Sans" pitchFamily="34" charset="-52"/>
-                <a:ea typeface="PT Sans" pitchFamily="34" charset="-52"/>
-              </a:rPr>
-              <a:t>boost/</a:t>
+              <a:t>STL-style: </a:t>
+            </a:r>
+            <a:r>
+              <a:rPr lang="en-US" sz="2400" dirty="0" err="1" smtClean="0">
+                <a:latin typeface="PT Sans" pitchFamily="34" charset="-52"/>
+                <a:ea typeface="PT Sans" pitchFamily="34" charset="-52"/>
+              </a:rPr>
+              <a:t>Boost.Compute</a:t>
             </a:r>
             <a:endParaRPr lang="ru-RU" sz="2400" dirty="0" smtClean="0">
               <a:latin typeface="PT Sans" pitchFamily="34" charset="-52"/>
@@ -6312,54 +6727,113 @@
             </a:endParaRPr>
           </a:p>
           <a:p>
-            <a:r>
-              <a:rPr lang="ru-RU" sz="2800" dirty="0" smtClean="0">
-                <a:latin typeface="PT Sans" pitchFamily="34" charset="-52"/>
-                <a:ea typeface="PT Sans" pitchFamily="34" charset="-52"/>
-              </a:rPr>
-              <a:t>Требуемая версия </a:t>
-            </a:r>
-            <a:r>
-              <a:rPr lang="en-US" sz="2800" dirty="0" smtClean="0">
-                <a:latin typeface="PT Sans" pitchFamily="34" charset="-52"/>
-                <a:ea typeface="PT Sans" pitchFamily="34" charset="-52"/>
-              </a:rPr>
-              <a:t>Boost ≥ 1.54</a:t>
-            </a:r>
-            <a:endParaRPr lang="ru-RU" sz="2800" dirty="0">
+            <a:pPr lvl="1"/>
+            <a:r>
+              <a:rPr lang="ru-RU" sz="2400" dirty="0" smtClean="0">
+                <a:latin typeface="PT Sans" pitchFamily="34" charset="-52"/>
+                <a:ea typeface="PT Sans" pitchFamily="34" charset="-52"/>
+              </a:rPr>
+              <a:t>Линейная алгебра: </a:t>
+            </a:r>
+            <a:r>
+              <a:rPr lang="en-US" sz="2400" dirty="0" err="1" smtClean="0">
+                <a:latin typeface="PT Sans" pitchFamily="34" charset="-52"/>
+                <a:ea typeface="PT Sans" pitchFamily="34" charset="-52"/>
+              </a:rPr>
+              <a:t>clBLAS</a:t>
+            </a:r>
+            <a:r>
+              <a:rPr lang="en-US" sz="2400" dirty="0" smtClean="0">
+                <a:latin typeface="PT Sans" pitchFamily="34" charset="-52"/>
+                <a:ea typeface="PT Sans" pitchFamily="34" charset="-52"/>
+              </a:rPr>
+              <a:t>, Eigen, </a:t>
+            </a:r>
+            <a:r>
+              <a:rPr lang="en-US" sz="2400" dirty="0" err="1" smtClean="0">
+                <a:latin typeface="PT Sans" pitchFamily="34" charset="-52"/>
+                <a:ea typeface="PT Sans" pitchFamily="34" charset="-52"/>
+              </a:rPr>
+              <a:t>ViennaCL</a:t>
+            </a:r>
+            <a:r>
+              <a:rPr lang="en-US" sz="2400" dirty="0" smtClean="0">
+                <a:latin typeface="PT Sans" pitchFamily="34" charset="-52"/>
+                <a:ea typeface="PT Sans" pitchFamily="34" charset="-52"/>
+              </a:rPr>
+              <a:t>, </a:t>
+            </a:r>
+            <a:r>
+              <a:rPr lang="en-US" sz="2400" dirty="0" err="1" smtClean="0">
+                <a:latin typeface="PT Sans" pitchFamily="34" charset="-52"/>
+                <a:ea typeface="PT Sans" pitchFamily="34" charset="-52"/>
+              </a:rPr>
+              <a:t>VexCL</a:t>
+            </a:r>
+            <a:endParaRPr lang="en-US" sz="2400" dirty="0" smtClean="0">
               <a:latin typeface="PT Sans" pitchFamily="34" charset="-52"/>
               <a:ea typeface="PT Sans" pitchFamily="34" charset="-52"/>
             </a:endParaRPr>
           </a:p>
           <a:p>
-            <a:r>
-              <a:rPr lang="ru-RU" sz="2800" dirty="0" smtClean="0">
-                <a:latin typeface="PT Sans" pitchFamily="34" charset="-52"/>
-                <a:ea typeface="PT Sans" pitchFamily="34" charset="-52"/>
-              </a:rPr>
-              <a:t>Включен в </a:t>
-            </a:r>
-            <a:r>
-              <a:rPr lang="en-US" sz="2800" dirty="0">
-                <a:latin typeface="PT Sans" pitchFamily="34" charset="-52"/>
-                <a:ea typeface="PT Sans" pitchFamily="34" charset="-52"/>
-              </a:rPr>
-              <a:t>Boost</a:t>
-            </a:r>
-            <a:r>
-              <a:rPr lang="ru-RU" sz="2800" dirty="0" smtClean="0">
-                <a:latin typeface="PT Sans" pitchFamily="34" charset="-52"/>
-                <a:ea typeface="PT Sans" pitchFamily="34" charset="-52"/>
-              </a:rPr>
-              <a:t> начиная с версии 1.61</a:t>
-            </a:r>
-            <a:endParaRPr lang="en-US" sz="2800" dirty="0" smtClean="0">
+            <a:pPr lvl="1"/>
+            <a:r>
+              <a:rPr lang="en-US" sz="2400" dirty="0" smtClean="0">
+                <a:latin typeface="PT Sans" pitchFamily="34" charset="-52"/>
+                <a:ea typeface="PT Sans" pitchFamily="34" charset="-52"/>
+              </a:rPr>
+              <a:t>FFT: </a:t>
+            </a:r>
+            <a:r>
+              <a:rPr lang="en-US" sz="2400" dirty="0" err="1" smtClean="0">
+                <a:latin typeface="PT Sans" pitchFamily="34" charset="-52"/>
+                <a:ea typeface="PT Sans" pitchFamily="34" charset="-52"/>
+              </a:rPr>
+              <a:t>clFFt</a:t>
+            </a:r>
+            <a:r>
+              <a:rPr lang="en-US" sz="2400" dirty="0">
+                <a:latin typeface="PT Sans" pitchFamily="34" charset="-52"/>
+                <a:ea typeface="PT Sans" pitchFamily="34" charset="-52"/>
+              </a:rPr>
+              <a:t>, </a:t>
+            </a:r>
+            <a:r>
+              <a:rPr lang="en-US" sz="2400" dirty="0" err="1" smtClean="0">
+                <a:latin typeface="PT Sans" pitchFamily="34" charset="-52"/>
+                <a:ea typeface="PT Sans" pitchFamily="34" charset="-52"/>
+              </a:rPr>
+              <a:t>VexCL</a:t>
+            </a:r>
+            <a:endParaRPr lang="en-US" sz="2400" dirty="0" smtClean="0">
               <a:latin typeface="PT Sans" pitchFamily="34" charset="-52"/>
               <a:ea typeface="PT Sans" pitchFamily="34" charset="-52"/>
             </a:endParaRPr>
           </a:p>
           <a:p>
-            <a:endParaRPr lang="en-US" sz="2800" dirty="0">
+            <a:pPr lvl="1"/>
+            <a:r>
+              <a:rPr lang="en-US" sz="2400" dirty="0" smtClean="0">
+                <a:latin typeface="PT Sans" pitchFamily="34" charset="-52"/>
+                <a:ea typeface="PT Sans" pitchFamily="34" charset="-52"/>
+              </a:rPr>
+              <a:t>CV </a:t>
+            </a:r>
+            <a:r>
+              <a:rPr lang="ru-RU" sz="2400" dirty="0" smtClean="0">
+                <a:latin typeface="PT Sans" pitchFamily="34" charset="-52"/>
+                <a:ea typeface="PT Sans" pitchFamily="34" charset="-52"/>
+              </a:rPr>
+              <a:t>и машинное обучение: </a:t>
+            </a:r>
+            <a:r>
+              <a:rPr lang="en-US" sz="2400" dirty="0" err="1" smtClean="0">
+                <a:latin typeface="PT Sans" pitchFamily="34" charset="-52"/>
+                <a:ea typeface="PT Sans" pitchFamily="34" charset="-52"/>
+              </a:rPr>
+              <a:t>OpenCV</a:t>
+            </a:r>
+            <a:endParaRPr lang="en-US" sz="2400" dirty="0">
               <a:latin typeface="PT Sans" pitchFamily="34" charset="-52"/>
               <a:ea typeface="PT Sans" pitchFamily="34" charset="-52"/>
             </a:endParaRPr>
@@ -6369,7 +6843,7 @@
     </p:spTree>
     <p:extLst>
       <p:ext uri="{BB962C8B-B14F-4D97-AF65-F5344CB8AC3E}">
-        <p14:creationId xmlns:p14="http://schemas.microsoft.com/office/powerpoint/2010/main" val="2699593621"/>
+        <p14:creationId xmlns:p14="http://schemas.microsoft.com/office/powerpoint/2010/main" val="1139823841"/>
       </p:ext>
     </p:extLst>
   </p:cSld>
@@ -6428,7 +6902,7 @@
           <a:lstStyle/>
           <a:p>
             <a:r>
-              <a:rPr lang="en-US" sz="4000" dirty="0" err="1">
+              <a:rPr lang="en-US" sz="4000" dirty="0" err="1" smtClean="0">
                 <a:latin typeface="PT Sans" pitchFamily="34" charset="-52"/>
                 <a:ea typeface="PT Sans" pitchFamily="34" charset="-52"/>
               </a:rPr>
@@ -6459,36 +6933,166 @@
           <a:lstStyle/>
           <a:p>
             <a:r>
-              <a:rPr lang="ru-RU" sz="2800" dirty="0" smtClean="0">
-                <a:latin typeface="PT Sans" pitchFamily="34" charset="-52"/>
-                <a:ea typeface="PT Sans" pitchFamily="34" charset="-52"/>
-              </a:rPr>
-              <a:t>Пример: получение дефолтного устройства </a:t>
-            </a:r>
-            <a:r>
-              <a:rPr lang="en-US" sz="2800" dirty="0" err="1" smtClean="0">
-                <a:latin typeface="PT Sans" pitchFamily="34" charset="-52"/>
-                <a:ea typeface="PT Sans" pitchFamily="34" charset="-52"/>
-              </a:rPr>
-              <a:t>OpenCL</a:t>
-            </a:r>
-            <a:endParaRPr lang="en-US" sz="2800" dirty="0" smtClean="0">
+              <a:rPr lang="ru-RU" sz="2800" dirty="0">
+                <a:latin typeface="PT Sans" pitchFamily="34" charset="-52"/>
+                <a:ea typeface="PT Sans" pitchFamily="34" charset="-52"/>
+              </a:rPr>
+              <a:t>Библиотека заголовков для работы с многоядерными </a:t>
+            </a:r>
+            <a:r>
+              <a:rPr lang="en-US" sz="2800" dirty="0">
+                <a:latin typeface="PT Sans" pitchFamily="34" charset="-52"/>
+                <a:ea typeface="PT Sans" pitchFamily="34" charset="-52"/>
+              </a:rPr>
+              <a:t>CPU </a:t>
+            </a:r>
+            <a:r>
+              <a:rPr lang="ru-RU" sz="2800" dirty="0">
+                <a:latin typeface="PT Sans" pitchFamily="34" charset="-52"/>
+                <a:ea typeface="PT Sans" pitchFamily="34" charset="-52"/>
+              </a:rPr>
+              <a:t>и </a:t>
+            </a:r>
+            <a:r>
+              <a:rPr lang="en-US" sz="2800" dirty="0">
+                <a:latin typeface="PT Sans" pitchFamily="34" charset="-52"/>
+                <a:ea typeface="PT Sans" pitchFamily="34" charset="-52"/>
+              </a:rPr>
+              <a:t>GPU</a:t>
+            </a:r>
+            <a:endParaRPr lang="ru-RU" sz="2800" dirty="0">
               <a:latin typeface="PT Sans" pitchFamily="34" charset="-52"/>
               <a:ea typeface="PT Sans" pitchFamily="34" charset="-52"/>
             </a:endParaRPr>
           </a:p>
           <a:p>
+            <a:r>
+              <a:rPr lang="ru-RU" sz="2800" dirty="0">
+                <a:latin typeface="PT Sans" pitchFamily="34" charset="-52"/>
+                <a:ea typeface="PT Sans" pitchFamily="34" charset="-52"/>
+              </a:rPr>
+              <a:t>Основана на </a:t>
+            </a:r>
+            <a:r>
+              <a:rPr lang="en-US" sz="2800" dirty="0" err="1">
+                <a:latin typeface="PT Sans" pitchFamily="34" charset="-52"/>
+                <a:ea typeface="PT Sans" pitchFamily="34" charset="-52"/>
+              </a:rPr>
+              <a:t>OpenCL</a:t>
+            </a:r>
             <a:endParaRPr lang="en-US" sz="2800" dirty="0">
               <a:latin typeface="PT Sans" pitchFamily="34" charset="-52"/>
               <a:ea typeface="PT Sans" pitchFamily="34" charset="-52"/>
             </a:endParaRPr>
           </a:p>
+          <a:p>
+            <a:r>
+              <a:rPr lang="en-US" sz="2800" dirty="0">
+                <a:latin typeface="PT Sans" pitchFamily="34" charset="-52"/>
+                <a:ea typeface="PT Sans" pitchFamily="34" charset="-52"/>
+                <a:hlinkClick r:id="rId2"/>
+              </a:rPr>
+              <a:t>https://github.com/boostorg/compute</a:t>
+            </a:r>
+            <a:endParaRPr lang="en-US" sz="2800" dirty="0">
+              <a:latin typeface="PT Sans" pitchFamily="34" charset="-52"/>
+              <a:ea typeface="PT Sans" pitchFamily="34" charset="-52"/>
+            </a:endParaRPr>
+          </a:p>
+          <a:p>
+            <a:r>
+              <a:rPr lang="ru-RU" sz="2800" dirty="0">
+                <a:latin typeface="PT Sans" pitchFamily="34" charset="-52"/>
+                <a:ea typeface="PT Sans" pitchFamily="34" charset="-52"/>
+              </a:rPr>
+              <a:t>При компиляции кода необходимо указать</a:t>
+            </a:r>
+            <a:endParaRPr lang="en-US" sz="2800" dirty="0">
+              <a:latin typeface="PT Sans" pitchFamily="34" charset="-52"/>
+              <a:ea typeface="PT Sans" pitchFamily="34" charset="-52"/>
+            </a:endParaRPr>
+          </a:p>
+          <a:p>
+            <a:pPr lvl="1"/>
+            <a:r>
+              <a:rPr lang="en-US" sz="2400" dirty="0">
+                <a:latin typeface="PT Sans" pitchFamily="34" charset="-52"/>
+                <a:ea typeface="PT Sans" pitchFamily="34" charset="-52"/>
+              </a:rPr>
+              <a:t>-I/</a:t>
+            </a:r>
+            <a:r>
+              <a:rPr lang="ru-RU" sz="2400" dirty="0">
+                <a:latin typeface="PT Sans" pitchFamily="34" charset="-52"/>
+                <a:ea typeface="PT Sans" pitchFamily="34" charset="-52"/>
+              </a:rPr>
+              <a:t>путь к папке с </a:t>
+            </a:r>
+            <a:r>
+              <a:rPr lang="en-US" sz="2400" dirty="0">
+                <a:latin typeface="PT Sans" pitchFamily="34" charset="-52"/>
+                <a:ea typeface="PT Sans" pitchFamily="34" charset="-52"/>
+              </a:rPr>
+              <a:t>boost/</a:t>
+            </a:r>
+            <a:endParaRPr lang="ru-RU" sz="2400" dirty="0">
+              <a:latin typeface="PT Sans" pitchFamily="34" charset="-52"/>
+              <a:ea typeface="PT Sans" pitchFamily="34" charset="-52"/>
+            </a:endParaRPr>
+          </a:p>
+          <a:p>
+            <a:r>
+              <a:rPr lang="ru-RU" sz="2800" dirty="0">
+                <a:latin typeface="PT Sans" pitchFamily="34" charset="-52"/>
+                <a:ea typeface="PT Sans" pitchFamily="34" charset="-52"/>
+              </a:rPr>
+              <a:t>Требуемая версия </a:t>
+            </a:r>
+            <a:r>
+              <a:rPr lang="en-US" sz="2800" dirty="0">
+                <a:latin typeface="PT Sans" pitchFamily="34" charset="-52"/>
+                <a:ea typeface="PT Sans" pitchFamily="34" charset="-52"/>
+              </a:rPr>
+              <a:t>Boost ≥ 1.54</a:t>
+            </a:r>
+            <a:endParaRPr lang="ru-RU" sz="2800" dirty="0">
+              <a:latin typeface="PT Sans" pitchFamily="34" charset="-52"/>
+              <a:ea typeface="PT Sans" pitchFamily="34" charset="-52"/>
+            </a:endParaRPr>
+          </a:p>
+          <a:p>
+            <a:r>
+              <a:rPr lang="ru-RU" sz="2800" dirty="0">
+                <a:latin typeface="PT Sans" pitchFamily="34" charset="-52"/>
+                <a:ea typeface="PT Sans" pitchFamily="34" charset="-52"/>
+              </a:rPr>
+              <a:t>Включен в </a:t>
+            </a:r>
+            <a:r>
+              <a:rPr lang="en-US" sz="2800" dirty="0">
+                <a:latin typeface="PT Sans" pitchFamily="34" charset="-52"/>
+                <a:ea typeface="PT Sans" pitchFamily="34" charset="-52"/>
+              </a:rPr>
+              <a:t>Boost</a:t>
+            </a:r>
+            <a:r>
+              <a:rPr lang="ru-RU" sz="2800" dirty="0">
+                <a:latin typeface="PT Sans" pitchFamily="34" charset="-52"/>
+                <a:ea typeface="PT Sans" pitchFamily="34" charset="-52"/>
+              </a:rPr>
+              <a:t> начиная с версии 1.61</a:t>
+            </a:r>
+            <a:endParaRPr lang="en-US" sz="2800" dirty="0">
+              <a:latin typeface="PT Sans" pitchFamily="34" charset="-52"/>
+              <a:ea typeface="PT Sans" pitchFamily="34" charset="-52"/>
+            </a:endParaRPr>
+          </a:p>
         </p:txBody>
       </p:sp>
     </p:spTree>
     <p:extLst>
       <p:ext uri="{BB962C8B-B14F-4D97-AF65-F5344CB8AC3E}">
-        <p14:creationId xmlns:p14="http://schemas.microsoft.com/office/powerpoint/2010/main" val="3478267192"/>
+        <p14:creationId xmlns:p14="http://schemas.microsoft.com/office/powerpoint/2010/main" val="2699593621"/>
       </p:ext>
     </p:extLst>
   </p:cSld>
@@ -6582,74 +7186,64 @@
                 <a:latin typeface="PT Sans" pitchFamily="34" charset="-52"/>
                 <a:ea typeface="PT Sans" pitchFamily="34" charset="-52"/>
               </a:rPr>
-              <a:t>Идеология применения библиотеки схожа с </a:t>
+              <a:t>Предоставляет С++ обертку над </a:t>
             </a:r>
             <a:r>
               <a:rPr lang="en-US" sz="2800" dirty="0" smtClean="0">
                 <a:latin typeface="PT Sans" pitchFamily="34" charset="-52"/>
                 <a:ea typeface="PT Sans" pitchFamily="34" charset="-52"/>
               </a:rPr>
-              <a:t>STL</a:t>
-            </a:r>
-            <a:r>
-              <a:rPr lang="ru-RU" sz="2800" dirty="0" smtClean="0">
-                <a:latin typeface="PT Sans" pitchFamily="34" charset="-52"/>
-                <a:ea typeface="PT Sans" pitchFamily="34" charset="-52"/>
-              </a:rPr>
-              <a:t> – операции над контейнерами данных</a:t>
-            </a:r>
-          </a:p>
-          <a:p>
-            <a:r>
-              <a:rPr lang="ru-RU" sz="2800" dirty="0" smtClean="0">
-                <a:latin typeface="PT Sans" pitchFamily="34" charset="-52"/>
-                <a:ea typeface="PT Sans" pitchFamily="34" charset="-52"/>
-              </a:rPr>
-              <a:t>В библиотеке реализовано несколько видов контейнеров для работы с данными на устройстве</a:t>
-            </a:r>
-          </a:p>
-          <a:p>
-            <a:r>
-              <a:rPr lang="ru-RU" sz="2800" dirty="0" smtClean="0">
-                <a:latin typeface="PT Sans" pitchFamily="34" charset="-52"/>
-                <a:ea typeface="PT Sans" pitchFamily="34" charset="-52"/>
-              </a:rPr>
-              <a:t>Список алгоритмов:</a:t>
-            </a:r>
-          </a:p>
-          <a:p>
-            <a:pPr lvl="1"/>
-            <a:r>
-              <a:rPr lang="en-US" sz="2400" dirty="0">
-                <a:latin typeface="PT Sans" pitchFamily="34" charset="-52"/>
-                <a:ea typeface="PT Sans" pitchFamily="34" charset="-52"/>
-                <a:hlinkClick r:id="rId2"/>
-              </a:rPr>
-              <a:t>http://</a:t>
-            </a:r>
-            <a:r>
-              <a:rPr lang="en-US" sz="2400" dirty="0" smtClean="0">
-                <a:latin typeface="PT Sans" pitchFamily="34" charset="-52"/>
-                <a:ea typeface="PT Sans" pitchFamily="34" charset="-52"/>
-                <a:hlinkClick r:id="rId2"/>
-              </a:rPr>
-              <a:t>www.boost.org/doc/libs/1_62_0/libs/compute/doc/html/boost_compute/reference.html#boost_compute.reference.api_overview.algorithms</a:t>
-            </a:r>
-            <a:endParaRPr lang="ru-RU" sz="2400" dirty="0">
-              <a:latin typeface="PT Sans" pitchFamily="34" charset="-52"/>
-              <a:ea typeface="PT Sans" pitchFamily="34" charset="-52"/>
-            </a:endParaRPr>
-          </a:p>
-          <a:p>
-            <a:pPr marL="109728" indent="0">
-              <a:buNone/>
-            </a:pPr>
+              <a:t>API </a:t>
+            </a:r>
+            <a:r>
+              <a:rPr lang="en-US" sz="2800" dirty="0" err="1" smtClean="0">
+                <a:latin typeface="PT Sans" pitchFamily="34" charset="-52"/>
+                <a:ea typeface="PT Sans" pitchFamily="34" charset="-52"/>
+              </a:rPr>
+              <a:t>OpenCL</a:t>
+            </a:r>
             <a:endParaRPr lang="en-US" sz="2800" dirty="0" smtClean="0">
               <a:latin typeface="PT Sans" pitchFamily="34" charset="-52"/>
               <a:ea typeface="PT Sans" pitchFamily="34" charset="-52"/>
             </a:endParaRPr>
           </a:p>
           <a:p>
+            <a:r>
+              <a:rPr lang="ru-RU" sz="2800" dirty="0" smtClean="0">
+                <a:latin typeface="PT Sans" pitchFamily="34" charset="-52"/>
+                <a:ea typeface="PT Sans" pitchFamily="34" charset="-52"/>
+              </a:rPr>
+              <a:t>Содержит </a:t>
+            </a:r>
+            <a:r>
+              <a:rPr lang="ru-RU" sz="2800" dirty="0" err="1" smtClean="0">
+                <a:latin typeface="PT Sans" pitchFamily="34" charset="-52"/>
+                <a:ea typeface="PT Sans" pitchFamily="34" charset="-52"/>
+              </a:rPr>
+              <a:t>абор</a:t>
+            </a:r>
+            <a:r>
+              <a:rPr lang="ru-RU" sz="2800" dirty="0" smtClean="0">
+                <a:latin typeface="PT Sans" pitchFamily="34" charset="-52"/>
+                <a:ea typeface="PT Sans" pitchFamily="34" charset="-52"/>
+              </a:rPr>
+              <a:t> стандартных контейнеров, алгоритмов и итераторов</a:t>
+            </a:r>
+          </a:p>
+          <a:p>
+            <a:r>
+              <a:rPr lang="ru-RU" sz="2800" dirty="0" smtClean="0">
+                <a:latin typeface="PT Sans" pitchFamily="34" charset="-52"/>
+                <a:ea typeface="PT Sans" pitchFamily="34" charset="-52"/>
+              </a:rPr>
+              <a:t>Дает возможность сочетать высокоуровневые абстракции объектов с пользовательскими ядрами</a:t>
+            </a:r>
+            <a:endParaRPr lang="en-US" sz="2800" dirty="0" smtClean="0">
+              <a:latin typeface="PT Sans" pitchFamily="34" charset="-52"/>
+              <a:ea typeface="PT Sans" pitchFamily="34" charset="-52"/>
+            </a:endParaRPr>
+          </a:p>
+          <a:p>
             <a:endParaRPr lang="en-US" sz="2800" dirty="0">
               <a:latin typeface="PT Sans" pitchFamily="34" charset="-52"/>
               <a:ea typeface="PT Sans" pitchFamily="34" charset="-52"/>
@@ -6660,7 +7254,7 @@
     </p:spTree>
     <p:extLst>
       <p:ext uri="{BB962C8B-B14F-4D97-AF65-F5344CB8AC3E}">
-        <p14:creationId xmlns:p14="http://schemas.microsoft.com/office/powerpoint/2010/main" val="3381959689"/>
+        <p14:creationId xmlns:p14="http://schemas.microsoft.com/office/powerpoint/2010/main" val="2983308194"/>
       </p:ext>
     </p:extLst>
   </p:cSld>
@@ -6754,58 +7348,21 @@
                 <a:latin typeface="PT Sans" pitchFamily="34" charset="-52"/>
                 <a:ea typeface="PT Sans" pitchFamily="34" charset="-52"/>
               </a:rPr>
-              <a:t>Пример</a:t>
-            </a:r>
-            <a:r>
-              <a:rPr lang="en-US" sz="2800" dirty="0" smtClean="0">
-                <a:latin typeface="PT Sans" pitchFamily="34" charset="-52"/>
-                <a:ea typeface="PT Sans" pitchFamily="34" charset="-52"/>
-              </a:rPr>
-              <a:t>: </a:t>
+              <a:t>Пример: </a:t>
             </a:r>
             <a:r>
               <a:rPr lang="ru-RU" sz="2800" dirty="0" smtClean="0">
                 <a:latin typeface="PT Sans" pitchFamily="34" charset="-52"/>
                 <a:ea typeface="PT Sans" pitchFamily="34" charset="-52"/>
               </a:rPr>
-              <a:t>передача данных с хоста на устройство посредством </a:t>
-            </a:r>
-            <a:r>
-              <a:rPr lang="en-US" sz="2800" dirty="0" err="1" smtClean="0">
-                <a:latin typeface="PT Sans" pitchFamily="34" charset="-52"/>
-                <a:ea typeface="PT Sans" pitchFamily="34" charset="-52"/>
-              </a:rPr>
-              <a:t>Boost.Compute</a:t>
-            </a:r>
-            <a:endParaRPr lang="ru-RU" sz="2800" dirty="0" smtClean="0">
+              <a:t>обход всех доступных платформ и устройств</a:t>
+            </a:r>
+            <a:endParaRPr lang="en-US" sz="2800" dirty="0" smtClean="0">
               <a:latin typeface="PT Sans" pitchFamily="34" charset="-52"/>
               <a:ea typeface="PT Sans" pitchFamily="34" charset="-52"/>
             </a:endParaRPr>
           </a:p>
           <a:p>
-            <a:r>
-              <a:rPr lang="ru-RU" sz="2800" dirty="0" smtClean="0">
-                <a:latin typeface="PT Sans" pitchFamily="34" charset="-52"/>
-                <a:ea typeface="PT Sans" pitchFamily="34" charset="-52"/>
-              </a:rPr>
-              <a:t>Обработка данных на устройстве через функцию </a:t>
-            </a:r>
-            <a:r>
-              <a:rPr lang="en-US" sz="2800" dirty="0" smtClean="0">
-                <a:latin typeface="PT Sans" pitchFamily="34" charset="-52"/>
-                <a:ea typeface="PT Sans" pitchFamily="34" charset="-52"/>
-              </a:rPr>
-              <a:t>transform()</a:t>
-            </a:r>
-          </a:p>
-          <a:p>
-            <a:r>
-              <a:rPr lang="ru-RU" sz="2800" dirty="0" smtClean="0">
-                <a:latin typeface="PT Sans" pitchFamily="34" charset="-52"/>
-                <a:ea typeface="PT Sans" pitchFamily="34" charset="-52"/>
-              </a:rPr>
-              <a:t>Передача обработанных данных с устройства на хост</a:t>
-            </a:r>
             <a:endParaRPr lang="en-US" sz="2800" dirty="0">
               <a:latin typeface="PT Sans" pitchFamily="34" charset="-52"/>
               <a:ea typeface="PT Sans" pitchFamily="34" charset="-52"/>
@@ -6816,7 +7373,7 @@
     </p:spTree>
     <p:extLst>
       <p:ext uri="{BB962C8B-B14F-4D97-AF65-F5344CB8AC3E}">
-        <p14:creationId xmlns:p14="http://schemas.microsoft.com/office/powerpoint/2010/main" val="3139004246"/>
+        <p14:creationId xmlns:p14="http://schemas.microsoft.com/office/powerpoint/2010/main" val="553641446"/>
       </p:ext>
     </p:extLst>
   </p:cSld>
@@ -6910,52 +7467,111 @@
                 <a:latin typeface="PT Sans" pitchFamily="34" charset="-52"/>
                 <a:ea typeface="PT Sans" pitchFamily="34" charset="-52"/>
               </a:rPr>
-              <a:t>Библиотека предоставляет возможность создавать пользовательские функции, для передачи в алгоритмы типа </a:t>
+              <a:t>Идеология применения библиотеки схожа с </a:t>
             </a:r>
             <a:r>
               <a:rPr lang="en-US" sz="2800" dirty="0" smtClean="0">
                 <a:latin typeface="PT Sans" pitchFamily="34" charset="-52"/>
                 <a:ea typeface="PT Sans" pitchFamily="34" charset="-52"/>
               </a:rPr>
-              <a:t>transform() </a:t>
+              <a:t>STL</a:t>
             </a:r>
             <a:r>
               <a:rPr lang="ru-RU" sz="2800" dirty="0" smtClean="0">
                 <a:latin typeface="PT Sans" pitchFamily="34" charset="-52"/>
                 <a:ea typeface="PT Sans" pitchFamily="34" charset="-52"/>
               </a:rPr>
-              <a:t>и </a:t>
+              <a:t> – операции над контейнерами </a:t>
+            </a:r>
+            <a:r>
+              <a:rPr lang="ru-RU" sz="2800" dirty="0" smtClean="0">
+                <a:latin typeface="PT Sans" pitchFamily="34" charset="-52"/>
+                <a:ea typeface="PT Sans" pitchFamily="34" charset="-52"/>
+              </a:rPr>
+              <a:t>данных</a:t>
+            </a:r>
+          </a:p>
+          <a:p>
+            <a:r>
+              <a:rPr lang="en-US" sz="2800" dirty="0" err="1" smtClean="0">
+                <a:latin typeface="PT Sans" pitchFamily="34" charset="-52"/>
+                <a:ea typeface="PT Sans" pitchFamily="34" charset="-52"/>
+              </a:rPr>
+              <a:t>Boost.Compute</a:t>
             </a:r>
             <a:r>
               <a:rPr lang="en-US" sz="2800" dirty="0" smtClean="0">
                 <a:latin typeface="PT Sans" pitchFamily="34" charset="-52"/>
                 <a:ea typeface="PT Sans" pitchFamily="34" charset="-52"/>
               </a:rPr>
-              <a:t>reduce()</a:t>
-            </a:r>
-          </a:p>
-          <a:p>
+              <a:t> </a:t>
+            </a:r>
+            <a:r>
+              <a:rPr lang="ru-RU" sz="2800" dirty="0" smtClean="0">
+                <a:latin typeface="PT Sans" pitchFamily="34" charset="-52"/>
+                <a:ea typeface="PT Sans" pitchFamily="34" charset="-52"/>
+              </a:rPr>
+              <a:t>позволяет писать С++ код не используя С-синтаксис </a:t>
+            </a:r>
             <a:r>
               <a:rPr lang="en-US" sz="2800" dirty="0" err="1" smtClean="0">
                 <a:latin typeface="PT Sans" pitchFamily="34" charset="-52"/>
                 <a:ea typeface="PT Sans" pitchFamily="34" charset="-52"/>
               </a:rPr>
-              <a:t>Boost.Compute</a:t>
-            </a:r>
-            <a:r>
-              <a:rPr lang="en-US" sz="2800" dirty="0" smtClean="0">
-                <a:latin typeface="PT Sans" pitchFamily="34" charset="-52"/>
-                <a:ea typeface="PT Sans" pitchFamily="34" charset="-52"/>
-              </a:rPr>
-              <a:t> </a:t>
-            </a:r>
+              <a:t>OpenCL</a:t>
+            </a:r>
+            <a:endParaRPr lang="ru-RU" sz="2800" dirty="0" smtClean="0">
+              <a:latin typeface="PT Sans" pitchFamily="34" charset="-52"/>
+              <a:ea typeface="PT Sans" pitchFamily="34" charset="-52"/>
+            </a:endParaRPr>
+          </a:p>
+          <a:p>
             <a:r>
               <a:rPr lang="ru-RU" sz="2800" dirty="0" smtClean="0">
                 <a:latin typeface="PT Sans" pitchFamily="34" charset="-52"/>
                 <a:ea typeface="PT Sans" pitchFamily="34" charset="-52"/>
               </a:rPr>
-              <a:t>поддерживает лямбда-выражения для передачи в соответствующие алгоритмы в качестве параметра</a:t>
-            </a:r>
+              <a:t>Список </a:t>
+            </a:r>
+            <a:r>
+              <a:rPr lang="ru-RU" sz="2800" dirty="0" smtClean="0">
+                <a:latin typeface="PT Sans" pitchFamily="34" charset="-52"/>
+                <a:ea typeface="PT Sans" pitchFamily="34" charset="-52"/>
+              </a:rPr>
+              <a:t>алгоритмов:</a:t>
+            </a:r>
+          </a:p>
+          <a:p>
+            <a:pPr lvl="1"/>
+            <a:r>
+              <a:rPr lang="en-US" sz="2400" dirty="0">
+                <a:latin typeface="PT Sans" pitchFamily="34" charset="-52"/>
+                <a:ea typeface="PT Sans" pitchFamily="34" charset="-52"/>
+                <a:hlinkClick r:id="rId2"/>
+              </a:rPr>
+              <a:t>http://</a:t>
+            </a:r>
+            <a:r>
+              <a:rPr lang="en-US" sz="2400" dirty="0" smtClean="0">
+                <a:latin typeface="PT Sans" pitchFamily="34" charset="-52"/>
+                <a:ea typeface="PT Sans" pitchFamily="34" charset="-52"/>
+                <a:hlinkClick r:id="rId2"/>
+              </a:rPr>
+              <a:t>www.boost.org/doc/libs/1_62_0/libs/compute/doc/html/boost_compute/reference.html#boost_compute.reference.api_overview.algorithms</a:t>
+            </a:r>
+            <a:endParaRPr lang="ru-RU" sz="2400" dirty="0">
+              <a:latin typeface="PT Sans" pitchFamily="34" charset="-52"/>
+              <a:ea typeface="PT Sans" pitchFamily="34" charset="-52"/>
+            </a:endParaRPr>
+          </a:p>
+          <a:p>
+            <a:pPr marL="109728" indent="0">
+              <a:buNone/>
+            </a:pPr>
+            <a:endParaRPr lang="en-US" sz="2800" dirty="0" smtClean="0">
+              <a:latin typeface="PT Sans" pitchFamily="34" charset="-52"/>
+              <a:ea typeface="PT Sans" pitchFamily="34" charset="-52"/>
+            </a:endParaRPr>
           </a:p>
           <a:p>
             <a:endParaRPr lang="en-US" sz="2800" dirty="0">
@@ -6968,7 +7584,7 @@
     </p:spTree>
     <p:extLst>
       <p:ext uri="{BB962C8B-B14F-4D97-AF65-F5344CB8AC3E}">
-        <p14:creationId xmlns:p14="http://schemas.microsoft.com/office/powerpoint/2010/main" val="1950360591"/>
+        <p14:creationId xmlns:p14="http://schemas.microsoft.com/office/powerpoint/2010/main" val="1723649301"/>
       </p:ext>
     </p:extLst>
   </p:cSld>
@@ -7069,21 +7685,50 @@
                 <a:latin typeface="PT Sans" pitchFamily="34" charset="-52"/>
                 <a:ea typeface="PT Sans" pitchFamily="34" charset="-52"/>
               </a:rPr>
-              <a:t>:</a:t>
+              <a:t>: </a:t>
             </a:r>
             <a:r>
               <a:rPr lang="ru-RU" sz="2800" dirty="0" smtClean="0">
                 <a:latin typeface="PT Sans" pitchFamily="34" charset="-52"/>
                 <a:ea typeface="PT Sans" pitchFamily="34" charset="-52"/>
               </a:rPr>
-              <a:t> использования собственных функций и лямбда-выражений для передачи в</a:t>
+              <a:t>передача данных с хоста на устройство посредством </a:t>
+            </a:r>
+            <a:r>
+              <a:rPr lang="en-US" sz="2800" dirty="0" err="1" smtClean="0">
+                <a:latin typeface="PT Sans" pitchFamily="34" charset="-52"/>
+                <a:ea typeface="PT Sans" pitchFamily="34" charset="-52"/>
+              </a:rPr>
+              <a:t>Boost.Compute</a:t>
+            </a:r>
+            <a:endParaRPr lang="ru-RU" sz="2800" dirty="0" smtClean="0">
+              <a:latin typeface="PT Sans" pitchFamily="34" charset="-52"/>
+              <a:ea typeface="PT Sans" pitchFamily="34" charset="-52"/>
+            </a:endParaRPr>
+          </a:p>
+          <a:p>
+            <a:r>
+              <a:rPr lang="ru-RU" sz="2800" dirty="0" smtClean="0">
+                <a:latin typeface="PT Sans" pitchFamily="34" charset="-52"/>
+                <a:ea typeface="PT Sans" pitchFamily="34" charset="-52"/>
+              </a:rPr>
+              <a:t>Обработка данных на устройстве через функцию </a:t>
             </a:r>
             <a:r>
               <a:rPr lang="en-US" sz="2800" dirty="0" smtClean="0">
                 <a:latin typeface="PT Sans" pitchFamily="34" charset="-52"/>
                 <a:ea typeface="PT Sans" pitchFamily="34" charset="-52"/>
               </a:rPr>
-              <a:t> transform()</a:t>
+              <a:t>transform()</a:t>
+            </a:r>
+          </a:p>
+          <a:p>
+            <a:r>
+              <a:rPr lang="ru-RU" sz="2800" dirty="0" smtClean="0">
+                <a:latin typeface="PT Sans" pitchFamily="34" charset="-52"/>
+                <a:ea typeface="PT Sans" pitchFamily="34" charset="-52"/>
+              </a:rPr>
+              <a:t>Передача обработанных данных с устройства на хост</a:t>
             </a:r>
             <a:endParaRPr lang="en-US" sz="2800" dirty="0">
               <a:latin typeface="PT Sans" pitchFamily="34" charset="-52"/>
@@ -7095,7 +7740,7 @@
     </p:spTree>
     <p:extLst>
       <p:ext uri="{BB962C8B-B14F-4D97-AF65-F5344CB8AC3E}">
-        <p14:creationId xmlns:p14="http://schemas.microsoft.com/office/powerpoint/2010/main" val="2231484519"/>
+        <p14:creationId xmlns:p14="http://schemas.microsoft.com/office/powerpoint/2010/main" val="3139004246"/>
       </p:ext>
     </p:extLst>
   </p:cSld>
@@ -7158,7 +7803,7 @@
                 <a:latin typeface="PT Sans" pitchFamily="34" charset="-52"/>
                 <a:ea typeface="PT Sans" pitchFamily="34" charset="-52"/>
               </a:rPr>
-              <a:t>VexCL</a:t>
+              <a:t>Boost.Compute</a:t>
             </a:r>
             <a:endParaRPr lang="ru-RU" sz="4000" dirty="0">
               <a:latin typeface="PT Sans" pitchFamily="34" charset="-52"/>
@@ -7189,106 +7834,65 @@
                 <a:latin typeface="PT Sans" pitchFamily="34" charset="-52"/>
                 <a:ea typeface="PT Sans" pitchFamily="34" charset="-52"/>
               </a:rPr>
-              <a:t>Шаблонная библиотека векторных выражений</a:t>
-            </a:r>
-          </a:p>
-          <a:p>
+              <a:t>Библиотека предоставляет возможность создавать пользовательские функции, для передачи в алгоритмы типа </a:t>
+            </a:r>
+            <a:r>
+              <a:rPr lang="en-US" sz="2800" dirty="0" smtClean="0">
+                <a:latin typeface="PT Sans" pitchFamily="34" charset="-52"/>
+                <a:ea typeface="PT Sans" pitchFamily="34" charset="-52"/>
+              </a:rPr>
+              <a:t>transform() </a:t>
+            </a:r>
             <a:r>
               <a:rPr lang="ru-RU" sz="2800" dirty="0" smtClean="0">
                 <a:latin typeface="PT Sans" pitchFamily="34" charset="-52"/>
                 <a:ea typeface="PT Sans" pitchFamily="34" charset="-52"/>
               </a:rPr>
-              <a:t>Предназначена для облегчения разработки кода с и</a:t>
-            </a:r>
-            <a:r>
-              <a:rPr lang="ru-RU" sz="2800" dirty="0">
-                <a:latin typeface="PT Sans" pitchFamily="34" charset="-52"/>
-                <a:ea typeface="PT Sans" pitchFamily="34" charset="-52"/>
-              </a:rPr>
-              <a:t>с</a:t>
+              <a:t>и </a:t>
+            </a:r>
+            <a:r>
+              <a:rPr lang="en-US" sz="2800" dirty="0" smtClean="0">
+                <a:latin typeface="PT Sans" pitchFamily="34" charset="-52"/>
+                <a:ea typeface="PT Sans" pitchFamily="34" charset="-52"/>
+              </a:rPr>
+              <a:t>reduce()</a:t>
+            </a:r>
+          </a:p>
+          <a:p>
+            <a:r>
+              <a:rPr lang="en-US" sz="2800" dirty="0" err="1" smtClean="0">
+                <a:latin typeface="PT Sans" pitchFamily="34" charset="-52"/>
+                <a:ea typeface="PT Sans" pitchFamily="34" charset="-52"/>
+              </a:rPr>
+              <a:t>Boost.Compute</a:t>
+            </a:r>
+            <a:r>
+              <a:rPr lang="en-US" sz="2800" dirty="0" smtClean="0">
+                <a:latin typeface="PT Sans" pitchFamily="34" charset="-52"/>
+                <a:ea typeface="PT Sans" pitchFamily="34" charset="-52"/>
+              </a:rPr>
+              <a:t> </a:t>
             </a:r>
             <a:r>
               <a:rPr lang="ru-RU" sz="2800" dirty="0" smtClean="0">
                 <a:latin typeface="PT Sans" pitchFamily="34" charset="-52"/>
                 <a:ea typeface="PT Sans" pitchFamily="34" charset="-52"/>
               </a:rPr>
-              <a:t>пользованием </a:t>
-            </a:r>
-            <a:r>
-              <a:rPr lang="en-US" sz="2800" dirty="0" smtClean="0">
-                <a:latin typeface="PT Sans" pitchFamily="34" charset="-52"/>
-                <a:ea typeface="PT Sans" pitchFamily="34" charset="-52"/>
-              </a:rPr>
-              <a:t>GPU</a:t>
-            </a:r>
-            <a:endParaRPr lang="ru-RU" sz="2800" dirty="0" smtClean="0">
+              <a:t>поддерживает лямбда-выражения для передачи в соответствующие алгоритмы в качестве параметра</a:t>
+            </a:r>
+          </a:p>
+          <a:p>
+            <a:endParaRPr lang="en-US" sz="2800" dirty="0">
               <a:latin typeface="PT Sans" pitchFamily="34" charset="-52"/>
               <a:ea typeface="PT Sans" pitchFamily="34" charset="-52"/>
             </a:endParaRPr>
           </a:p>
-          <a:p>
-            <a:r>
-              <a:rPr lang="ru-RU" sz="2800" dirty="0" smtClean="0">
-                <a:latin typeface="PT Sans" pitchFamily="34" charset="-52"/>
-                <a:ea typeface="PT Sans" pitchFamily="34" charset="-52"/>
-              </a:rPr>
-              <a:t>В </a:t>
-            </a:r>
-            <a:r>
-              <a:rPr lang="ru-RU" sz="2800" dirty="0">
-                <a:latin typeface="PT Sans" pitchFamily="34" charset="-52"/>
-                <a:ea typeface="PT Sans" pitchFamily="34" charset="-52"/>
-              </a:rPr>
-              <a:t>качестве </a:t>
-            </a:r>
-            <a:r>
-              <a:rPr lang="ru-RU" sz="2800" dirty="0" err="1" smtClean="0">
-                <a:latin typeface="PT Sans" pitchFamily="34" charset="-52"/>
-                <a:ea typeface="PT Sans" pitchFamily="34" charset="-52"/>
-              </a:rPr>
-              <a:t>бэкенда</a:t>
-            </a:r>
-            <a:r>
-              <a:rPr lang="ru-RU" sz="2800" dirty="0" smtClean="0">
-                <a:latin typeface="PT Sans" pitchFamily="34" charset="-52"/>
-                <a:ea typeface="PT Sans" pitchFamily="34" charset="-52"/>
-              </a:rPr>
-              <a:t> используются </a:t>
-            </a:r>
-            <a:r>
-              <a:rPr lang="en-US" sz="2800" dirty="0" err="1" smtClean="0">
-                <a:latin typeface="PT Sans" pitchFamily="34" charset="-52"/>
-                <a:ea typeface="PT Sans" pitchFamily="34" charset="-52"/>
-              </a:rPr>
-              <a:t>OpenCL</a:t>
-            </a:r>
-            <a:r>
-              <a:rPr lang="en-US" sz="2800" dirty="0" smtClean="0">
-                <a:latin typeface="PT Sans" pitchFamily="34" charset="-52"/>
-                <a:ea typeface="PT Sans" pitchFamily="34" charset="-52"/>
-              </a:rPr>
-              <a:t>/CUDA</a:t>
-            </a:r>
-          </a:p>
-          <a:p>
-            <a:r>
-              <a:rPr lang="ru-RU" sz="2800" dirty="0" smtClean="0">
-                <a:latin typeface="PT Sans" pitchFamily="34" charset="-52"/>
-                <a:ea typeface="PT Sans" pitchFamily="34" charset="-52"/>
-              </a:rPr>
-              <a:t>Поддержка вычислений на нескольких устройствах и платформах</a:t>
-            </a:r>
-            <a:endParaRPr lang="en-US" sz="2800" dirty="0" smtClean="0">
-              <a:latin typeface="PT Sans" pitchFamily="34" charset="-52"/>
-              <a:ea typeface="PT Sans" pitchFamily="34" charset="-52"/>
-            </a:endParaRPr>
-          </a:p>
         </p:txBody>
       </p:sp>
     </p:spTree>
     <p:extLst>
       <p:ext uri="{BB962C8B-B14F-4D97-AF65-F5344CB8AC3E}">
-        <p14:creationId xmlns:p14="http://schemas.microsoft.com/office/powerpoint/2010/main" val="2357458367"/>
+        <p14:creationId xmlns:p14="http://schemas.microsoft.com/office/powerpoint/2010/main" val="1950360591"/>
       </p:ext>
     </p:extLst>
   </p:cSld>
@@ -7347,11 +7951,11 @@
           <a:lstStyle/>
           <a:p>
             <a:r>
-              <a:rPr lang="en-US" sz="4000" dirty="0" err="1" smtClean="0">
-                <a:latin typeface="PT Sans" pitchFamily="34" charset="-52"/>
-                <a:ea typeface="PT Sans" pitchFamily="34" charset="-52"/>
-              </a:rPr>
-              <a:t>VexCL</a:t>
+              <a:rPr lang="en-US" sz="4000" dirty="0" err="1">
+                <a:latin typeface="PT Sans" pitchFamily="34" charset="-52"/>
+                <a:ea typeface="PT Sans" pitchFamily="34" charset="-52"/>
+              </a:rPr>
+              <a:t>Boost.Compute</a:t>
             </a:r>
             <a:endParaRPr lang="ru-RU" sz="4000" dirty="0">
               <a:latin typeface="PT Sans" pitchFamily="34" charset="-52"/>
@@ -7382,33 +7986,30 @@
                 <a:latin typeface="PT Sans" pitchFamily="34" charset="-52"/>
                 <a:ea typeface="PT Sans" pitchFamily="34" charset="-52"/>
               </a:rPr>
-              <a:t>Библиотека предоставляет </a:t>
+              <a:t>Пример</a:t>
             </a:r>
             <a:r>
               <a:rPr lang="en-US" sz="2800" dirty="0" smtClean="0">
                 <a:latin typeface="PT Sans" pitchFamily="34" charset="-52"/>
                 <a:ea typeface="PT Sans" pitchFamily="34" charset="-52"/>
               </a:rPr>
-              <a:t>STL-</a:t>
+              <a:t>:</a:t>
             </a:r>
             <a:r>
               <a:rPr lang="ru-RU" sz="2800" dirty="0" smtClean="0">
                 <a:latin typeface="PT Sans" pitchFamily="34" charset="-52"/>
                 <a:ea typeface="PT Sans" pitchFamily="34" charset="-52"/>
               </a:rPr>
-              <a:t>подобный интерфейс для работы с контейнерами и алгоритмами с использованием параллельного программирования</a:t>
-            </a:r>
-          </a:p>
-          <a:p>
-            <a:r>
-              <a:rPr lang="ru-RU" sz="2800" dirty="0" smtClean="0">
-                <a:latin typeface="PT Sans" pitchFamily="34" charset="-52"/>
-                <a:ea typeface="PT Sans" pitchFamily="34" charset="-52"/>
-                <a:hlinkClick r:id="rId2"/>
-              </a:rPr>
-              <a:t>Документация библиотеки</a:t>
-            </a:r>
-            <a:endParaRPr lang="ru-RU" sz="2800" dirty="0">
+              <a:t> использования собственных функций и лямбда-выражений для передачи в</a:t>
+            </a:r>
+            <a:r>
+              <a:rPr lang="en-US" sz="2800" dirty="0" smtClean="0">
+                <a:latin typeface="PT Sans" pitchFamily="34" charset="-52"/>
+                <a:ea typeface="PT Sans" pitchFamily="34" charset="-52"/>
+              </a:rPr>
+              <a:t> transform()</a:t>
+            </a:r>
+            <a:endParaRPr lang="en-US" sz="2800" dirty="0">
               <a:latin typeface="PT Sans" pitchFamily="34" charset="-52"/>
               <a:ea typeface="PT Sans" pitchFamily="34" charset="-52"/>
             </a:endParaRPr>
@@ -7418,7 +8019,7 @@
     </p:spTree>
     <p:extLst>
       <p:ext uri="{BB962C8B-B14F-4D97-AF65-F5344CB8AC3E}">
-        <p14:creationId xmlns:p14="http://schemas.microsoft.com/office/powerpoint/2010/main" val="2793481323"/>
+        <p14:creationId xmlns:p14="http://schemas.microsoft.com/office/powerpoint/2010/main" val="2231484519"/>
       </p:ext>
     </p:extLst>
   </p:cSld>
